--- a/doc/所有hash图片与描述/低资源方案汇总.pptx
+++ b/doc/所有hash图片与描述/低资源方案汇总.pptx
@@ -5,22 +5,22 @@
     <p:sldMasterId id="2147483648" r:id="rId1"/>
   </p:sldMasterIdLst>
   <p:notesMasterIdLst>
-    <p:notesMasterId r:id="rId5"/>
+    <p:notesMasterId r:id="rId10"/>
   </p:notesMasterIdLst>
   <p:sldIdLst>
-    <p:sldId id="703" r:id="rId3"/>
-    <p:sldId id="755" r:id="rId4"/>
-    <p:sldId id="761" r:id="rId6"/>
-    <p:sldId id="762" r:id="rId7"/>
-    <p:sldId id="756" r:id="rId8"/>
-    <p:sldId id="769" r:id="rId9"/>
-    <p:sldId id="770" r:id="rId10"/>
-    <p:sldId id="768" r:id="rId11"/>
+    <p:sldId id="703" r:id="rId2"/>
+    <p:sldId id="755" r:id="rId3"/>
+    <p:sldId id="761" r:id="rId4"/>
+    <p:sldId id="762" r:id="rId5"/>
+    <p:sldId id="756" r:id="rId6"/>
+    <p:sldId id="769" r:id="rId7"/>
+    <p:sldId id="770" r:id="rId8"/>
+    <p:sldId id="768" r:id="rId9"/>
   </p:sldIdLst>
   <p:sldSz cx="12192000" cy="6858000"/>
   <p:notesSz cx="6858000" cy="9144000"/>
   <p:custDataLst>
-    <p:tags r:id="rId15"/>
+    <p:tags r:id="rId11"/>
   </p:custDataLst>
   <p:defaultTextStyle>
     <a:defPPr>
@@ -117,6 +117,11 @@
       </a:defRPr>
     </a:lvl9pPr>
   </p:defaultTextStyle>
+  <p:extLst>
+    <p:ext uri="{EFAFB233-063F-42B5-8137-9DF3F51BA10A}">
+      <p15:sldGuideLst xmlns:p15="http://schemas.microsoft.com/office/powerpoint/2012/main"/>
+    </p:ext>
+  </p:extLst>
 </p:presentation>
 </file>
 
@@ -202,6 +207,7 @@
           <a:p>
             <a:fld id="{22BFF448-F295-4DE3-B682-FE57C8A33F8A}" type="datetimeFigureOut">
               <a:rPr lang="zh-CN" altLang="en-US" smtClean="0"/>
+              <a:t>2025/6/4</a:t>
             </a:fld>
             <a:endParaRPr lang="zh-CN" altLang="en-US"/>
           </a:p>
@@ -268,7 +274,6 @@
               <a:rPr lang="zh-CN" altLang="en-US"/>
               <a:t>编辑母版文本样式</a:t>
             </a:r>
-            <a:endParaRPr lang="zh-CN" altLang="en-US"/>
           </a:p>
           <a:p>
             <a:pPr lvl="1"/>
@@ -276,7 +281,6 @@
               <a:rPr lang="zh-CN" altLang="en-US"/>
               <a:t>第二级</a:t>
             </a:r>
-            <a:endParaRPr lang="zh-CN" altLang="en-US"/>
           </a:p>
           <a:p>
             <a:pPr lvl="2"/>
@@ -284,7 +288,6 @@
               <a:rPr lang="zh-CN" altLang="en-US"/>
               <a:t>第三级</a:t>
             </a:r>
-            <a:endParaRPr lang="zh-CN" altLang="en-US"/>
           </a:p>
           <a:p>
             <a:pPr lvl="3"/>
@@ -292,7 +295,6 @@
               <a:rPr lang="zh-CN" altLang="en-US"/>
               <a:t>第四级</a:t>
             </a:r>
-            <a:endParaRPr lang="zh-CN" altLang="en-US"/>
           </a:p>
           <a:p>
             <a:pPr lvl="4"/>
@@ -300,7 +302,6 @@
               <a:rPr lang="zh-CN" altLang="en-US"/>
               <a:t>第五级</a:t>
             </a:r>
-            <a:endParaRPr lang="zh-CN" altLang="en-US"/>
           </a:p>
         </p:txBody>
       </p:sp>
@@ -364,6 +365,7 @@
           <a:p>
             <a:fld id="{EC21727C-9CCD-4C1B-8DC7-4CB838473EE1}" type="slidenum">
               <a:rPr lang="zh-CN" altLang="en-US" smtClean="0"/>
+              <a:t>‹#›</a:t>
             </a:fld>
             <a:endParaRPr lang="zh-CN" altLang="en-US"/>
           </a:p>
@@ -497,7 +499,10 @@
         <p:spPr/>
         <p:txBody>
           <a:bodyPr/>
-          <a:p/>
+          <a:lstStyle/>
+          <a:p>
+            <a:endParaRPr/>
+          </a:p>
         </p:txBody>
       </p:sp>
       <p:sp>
@@ -557,7 +562,10 @@
         <p:spPr/>
         <p:txBody>
           <a:bodyPr/>
-          <a:p/>
+          <a:lstStyle/>
+          <a:p>
+            <a:endParaRPr/>
+          </a:p>
         </p:txBody>
       </p:sp>
       <p:sp>
@@ -617,7 +625,10 @@
         <p:spPr/>
         <p:txBody>
           <a:bodyPr/>
-          <a:p/>
+          <a:lstStyle/>
+          <a:p>
+            <a:endParaRPr/>
+          </a:p>
         </p:txBody>
       </p:sp>
       <p:sp>
@@ -804,7 +815,6 @@
               <a:rPr lang="zh-CN" altLang="en-US"/>
               <a:t>单击此处编辑母版标题样式</a:t>
             </a:r>
-            <a:endParaRPr lang="zh-CN" altLang="en-US"/>
           </a:p>
         </p:txBody>
       </p:sp>
@@ -869,7 +879,6 @@
               <a:rPr lang="zh-CN" altLang="en-US"/>
               <a:t>单击此处编辑母版副标题样式</a:t>
             </a:r>
-            <a:endParaRPr lang="zh-CN" altLang="en-US"/>
           </a:p>
         </p:txBody>
       </p:sp>
@@ -890,6 +899,7 @@
           <a:p>
             <a:fld id="{B84EB670-E294-4967-8CDF-2DA207E54C9C}" type="datetimeFigureOut">
               <a:rPr lang="zh-CN" altLang="en-US" smtClean="0"/>
+              <a:t>2025/6/4</a:t>
             </a:fld>
             <a:endParaRPr lang="zh-CN" altLang="en-US"/>
           </a:p>
@@ -931,6 +941,7 @@
           <a:p>
             <a:fld id="{1A2E7ABB-B27C-4AF3-86DA-BB311601065E}" type="slidenum">
               <a:rPr lang="zh-CN" altLang="en-US" smtClean="0"/>
+              <a:t>‹#›</a:t>
             </a:fld>
             <a:endParaRPr lang="zh-CN" altLang="en-US"/>
           </a:p>
@@ -980,7 +991,6 @@
               <a:rPr lang="zh-CN" altLang="en-US"/>
               <a:t>单击此处编辑母版标题样式</a:t>
             </a:r>
-            <a:endParaRPr lang="zh-CN" altLang="en-US"/>
           </a:p>
         </p:txBody>
       </p:sp>
@@ -1004,7 +1014,6 @@
               <a:rPr lang="zh-CN" altLang="en-US"/>
               <a:t>编辑母版文本样式</a:t>
             </a:r>
-            <a:endParaRPr lang="zh-CN" altLang="en-US"/>
           </a:p>
           <a:p>
             <a:pPr lvl="1"/>
@@ -1012,7 +1021,6 @@
               <a:rPr lang="zh-CN" altLang="en-US"/>
               <a:t>第二级</a:t>
             </a:r>
-            <a:endParaRPr lang="zh-CN" altLang="en-US"/>
           </a:p>
           <a:p>
             <a:pPr lvl="2"/>
@@ -1020,7 +1028,6 @@
               <a:rPr lang="zh-CN" altLang="en-US"/>
               <a:t>第三级</a:t>
             </a:r>
-            <a:endParaRPr lang="zh-CN" altLang="en-US"/>
           </a:p>
           <a:p>
             <a:pPr lvl="3"/>
@@ -1028,7 +1035,6 @@
               <a:rPr lang="zh-CN" altLang="en-US"/>
               <a:t>第四级</a:t>
             </a:r>
-            <a:endParaRPr lang="zh-CN" altLang="en-US"/>
           </a:p>
           <a:p>
             <a:pPr lvl="4"/>
@@ -1036,7 +1042,6 @@
               <a:rPr lang="zh-CN" altLang="en-US"/>
               <a:t>第五级</a:t>
             </a:r>
-            <a:endParaRPr lang="zh-CN" altLang="en-US"/>
           </a:p>
         </p:txBody>
       </p:sp>
@@ -1057,6 +1062,7 @@
           <a:p>
             <a:fld id="{B84EB670-E294-4967-8CDF-2DA207E54C9C}" type="datetimeFigureOut">
               <a:rPr lang="zh-CN" altLang="en-US" smtClean="0"/>
+              <a:t>2025/6/4</a:t>
             </a:fld>
             <a:endParaRPr lang="zh-CN" altLang="en-US"/>
           </a:p>
@@ -1098,6 +1104,7 @@
           <a:p>
             <a:fld id="{1A2E7ABB-B27C-4AF3-86DA-BB311601065E}" type="slidenum">
               <a:rPr lang="zh-CN" altLang="en-US" smtClean="0"/>
+              <a:t>‹#›</a:t>
             </a:fld>
             <a:endParaRPr lang="zh-CN" altLang="en-US"/>
           </a:p>
@@ -1152,7 +1159,6 @@
               <a:rPr lang="zh-CN" altLang="en-US"/>
               <a:t>单击此处编辑母版标题样式</a:t>
             </a:r>
-            <a:endParaRPr lang="zh-CN" altLang="en-US"/>
           </a:p>
         </p:txBody>
       </p:sp>
@@ -1181,7 +1187,6 @@
               <a:rPr lang="zh-CN" altLang="en-US"/>
               <a:t>编辑母版文本样式</a:t>
             </a:r>
-            <a:endParaRPr lang="zh-CN" altLang="en-US"/>
           </a:p>
           <a:p>
             <a:pPr lvl="1"/>
@@ -1189,7 +1194,6 @@
               <a:rPr lang="zh-CN" altLang="en-US"/>
               <a:t>第二级</a:t>
             </a:r>
-            <a:endParaRPr lang="zh-CN" altLang="en-US"/>
           </a:p>
           <a:p>
             <a:pPr lvl="2"/>
@@ -1197,7 +1201,6 @@
               <a:rPr lang="zh-CN" altLang="en-US"/>
               <a:t>第三级</a:t>
             </a:r>
-            <a:endParaRPr lang="zh-CN" altLang="en-US"/>
           </a:p>
           <a:p>
             <a:pPr lvl="3"/>
@@ -1205,7 +1208,6 @@
               <a:rPr lang="zh-CN" altLang="en-US"/>
               <a:t>第四级</a:t>
             </a:r>
-            <a:endParaRPr lang="zh-CN" altLang="en-US"/>
           </a:p>
           <a:p>
             <a:pPr lvl="4"/>
@@ -1213,7 +1215,6 @@
               <a:rPr lang="zh-CN" altLang="en-US"/>
               <a:t>第五级</a:t>
             </a:r>
-            <a:endParaRPr lang="zh-CN" altLang="en-US"/>
           </a:p>
         </p:txBody>
       </p:sp>
@@ -1234,6 +1235,7 @@
           <a:p>
             <a:fld id="{B84EB670-E294-4967-8CDF-2DA207E54C9C}" type="datetimeFigureOut">
               <a:rPr lang="zh-CN" altLang="en-US" smtClean="0"/>
+              <a:t>2025/6/4</a:t>
             </a:fld>
             <a:endParaRPr lang="zh-CN" altLang="en-US"/>
           </a:p>
@@ -1275,6 +1277,7 @@
           <a:p>
             <a:fld id="{1A2E7ABB-B27C-4AF3-86DA-BB311601065E}" type="slidenum">
               <a:rPr lang="zh-CN" altLang="en-US" smtClean="0"/>
+              <a:t>‹#›</a:t>
             </a:fld>
             <a:endParaRPr lang="zh-CN" altLang="en-US"/>
           </a:p>
@@ -1324,7 +1327,6 @@
               <a:rPr lang="zh-CN" altLang="en-US"/>
               <a:t>单击此处编辑母版标题样式</a:t>
             </a:r>
-            <a:endParaRPr lang="zh-CN" altLang="en-US"/>
           </a:p>
         </p:txBody>
       </p:sp>
@@ -1348,7 +1350,6 @@
               <a:rPr lang="zh-CN" altLang="en-US"/>
               <a:t>编辑母版文本样式</a:t>
             </a:r>
-            <a:endParaRPr lang="zh-CN" altLang="en-US"/>
           </a:p>
           <a:p>
             <a:pPr lvl="1"/>
@@ -1356,7 +1357,6 @@
               <a:rPr lang="zh-CN" altLang="en-US"/>
               <a:t>第二级</a:t>
             </a:r>
-            <a:endParaRPr lang="zh-CN" altLang="en-US"/>
           </a:p>
           <a:p>
             <a:pPr lvl="2"/>
@@ -1364,7 +1364,6 @@
               <a:rPr lang="zh-CN" altLang="en-US"/>
               <a:t>第三级</a:t>
             </a:r>
-            <a:endParaRPr lang="zh-CN" altLang="en-US"/>
           </a:p>
           <a:p>
             <a:pPr lvl="3"/>
@@ -1372,7 +1371,6 @@
               <a:rPr lang="zh-CN" altLang="en-US"/>
               <a:t>第四级</a:t>
             </a:r>
-            <a:endParaRPr lang="zh-CN" altLang="en-US"/>
           </a:p>
           <a:p>
             <a:pPr lvl="4"/>
@@ -1380,7 +1378,6 @@
               <a:rPr lang="zh-CN" altLang="en-US"/>
               <a:t>第五级</a:t>
             </a:r>
-            <a:endParaRPr lang="zh-CN" altLang="en-US"/>
           </a:p>
         </p:txBody>
       </p:sp>
@@ -1401,6 +1398,7 @@
           <a:p>
             <a:fld id="{B84EB670-E294-4967-8CDF-2DA207E54C9C}" type="datetimeFigureOut">
               <a:rPr lang="zh-CN" altLang="en-US" smtClean="0"/>
+              <a:t>2025/6/4</a:t>
             </a:fld>
             <a:endParaRPr lang="zh-CN" altLang="en-US"/>
           </a:p>
@@ -1442,6 +1440,7 @@
           <a:p>
             <a:fld id="{1A2E7ABB-B27C-4AF3-86DA-BB311601065E}" type="slidenum">
               <a:rPr lang="zh-CN" altLang="en-US" smtClean="0"/>
+              <a:t>‹#›</a:t>
             </a:fld>
             <a:endParaRPr lang="zh-CN" altLang="en-US"/>
           </a:p>
@@ -1500,7 +1499,6 @@
               <a:rPr lang="zh-CN" altLang="en-US"/>
               <a:t>单击此处编辑母版标题样式</a:t>
             </a:r>
-            <a:endParaRPr lang="zh-CN" altLang="en-US"/>
           </a:p>
         </p:txBody>
       </p:sp>
@@ -1620,7 +1618,6 @@
               <a:rPr lang="zh-CN" altLang="en-US"/>
               <a:t>编辑母版文本样式</a:t>
             </a:r>
-            <a:endParaRPr lang="zh-CN" altLang="en-US"/>
           </a:p>
         </p:txBody>
       </p:sp>
@@ -1641,6 +1638,7 @@
           <a:p>
             <a:fld id="{B84EB670-E294-4967-8CDF-2DA207E54C9C}" type="datetimeFigureOut">
               <a:rPr lang="zh-CN" altLang="en-US" smtClean="0"/>
+              <a:t>2025/6/4</a:t>
             </a:fld>
             <a:endParaRPr lang="zh-CN" altLang="en-US"/>
           </a:p>
@@ -1682,6 +1680,7 @@
           <a:p>
             <a:fld id="{1A2E7ABB-B27C-4AF3-86DA-BB311601065E}" type="slidenum">
               <a:rPr lang="zh-CN" altLang="en-US" smtClean="0"/>
+              <a:t>‹#›</a:t>
             </a:fld>
             <a:endParaRPr lang="zh-CN" altLang="en-US"/>
           </a:p>
@@ -1731,7 +1730,6 @@
               <a:rPr lang="zh-CN" altLang="en-US"/>
               <a:t>单击此处编辑母版标题样式</a:t>
             </a:r>
-            <a:endParaRPr lang="zh-CN" altLang="en-US"/>
           </a:p>
         </p:txBody>
       </p:sp>
@@ -1760,7 +1758,6 @@
               <a:rPr lang="zh-CN" altLang="en-US"/>
               <a:t>编辑母版文本样式</a:t>
             </a:r>
-            <a:endParaRPr lang="zh-CN" altLang="en-US"/>
           </a:p>
           <a:p>
             <a:pPr lvl="1"/>
@@ -1768,7 +1765,6 @@
               <a:rPr lang="zh-CN" altLang="en-US"/>
               <a:t>第二级</a:t>
             </a:r>
-            <a:endParaRPr lang="zh-CN" altLang="en-US"/>
           </a:p>
           <a:p>
             <a:pPr lvl="2"/>
@@ -1776,7 +1772,6 @@
               <a:rPr lang="zh-CN" altLang="en-US"/>
               <a:t>第三级</a:t>
             </a:r>
-            <a:endParaRPr lang="zh-CN" altLang="en-US"/>
           </a:p>
           <a:p>
             <a:pPr lvl="3"/>
@@ -1784,7 +1779,6 @@
               <a:rPr lang="zh-CN" altLang="en-US"/>
               <a:t>第四级</a:t>
             </a:r>
-            <a:endParaRPr lang="zh-CN" altLang="en-US"/>
           </a:p>
           <a:p>
             <a:pPr lvl="4"/>
@@ -1792,7 +1786,6 @@
               <a:rPr lang="zh-CN" altLang="en-US"/>
               <a:t>第五级</a:t>
             </a:r>
-            <a:endParaRPr lang="zh-CN" altLang="en-US"/>
           </a:p>
         </p:txBody>
       </p:sp>
@@ -1821,7 +1814,6 @@
               <a:rPr lang="zh-CN" altLang="en-US"/>
               <a:t>编辑母版文本样式</a:t>
             </a:r>
-            <a:endParaRPr lang="zh-CN" altLang="en-US"/>
           </a:p>
           <a:p>
             <a:pPr lvl="1"/>
@@ -1829,7 +1821,6 @@
               <a:rPr lang="zh-CN" altLang="en-US"/>
               <a:t>第二级</a:t>
             </a:r>
-            <a:endParaRPr lang="zh-CN" altLang="en-US"/>
           </a:p>
           <a:p>
             <a:pPr lvl="2"/>
@@ -1837,7 +1828,6 @@
               <a:rPr lang="zh-CN" altLang="en-US"/>
               <a:t>第三级</a:t>
             </a:r>
-            <a:endParaRPr lang="zh-CN" altLang="en-US"/>
           </a:p>
           <a:p>
             <a:pPr lvl="3"/>
@@ -1845,7 +1835,6 @@
               <a:rPr lang="zh-CN" altLang="en-US"/>
               <a:t>第四级</a:t>
             </a:r>
-            <a:endParaRPr lang="zh-CN" altLang="en-US"/>
           </a:p>
           <a:p>
             <a:pPr lvl="4"/>
@@ -1853,7 +1842,6 @@
               <a:rPr lang="zh-CN" altLang="en-US"/>
               <a:t>第五级</a:t>
             </a:r>
-            <a:endParaRPr lang="zh-CN" altLang="en-US"/>
           </a:p>
         </p:txBody>
       </p:sp>
@@ -1874,6 +1862,7 @@
           <a:p>
             <a:fld id="{B84EB670-E294-4967-8CDF-2DA207E54C9C}" type="datetimeFigureOut">
               <a:rPr lang="zh-CN" altLang="en-US" smtClean="0"/>
+              <a:t>2025/6/4</a:t>
             </a:fld>
             <a:endParaRPr lang="zh-CN" altLang="en-US"/>
           </a:p>
@@ -1915,6 +1904,7 @@
           <a:p>
             <a:fld id="{1A2E7ABB-B27C-4AF3-86DA-BB311601065E}" type="slidenum">
               <a:rPr lang="zh-CN" altLang="en-US" smtClean="0"/>
+              <a:t>‹#›</a:t>
             </a:fld>
             <a:endParaRPr lang="zh-CN" altLang="en-US"/>
           </a:p>
@@ -1969,7 +1959,6 @@
               <a:rPr lang="zh-CN" altLang="en-US"/>
               <a:t>单击此处编辑母版标题样式</a:t>
             </a:r>
-            <a:endParaRPr lang="zh-CN" altLang="en-US"/>
           </a:p>
         </p:txBody>
       </p:sp>
@@ -2035,7 +2024,6 @@
               <a:rPr lang="zh-CN" altLang="en-US"/>
               <a:t>编辑母版文本样式</a:t>
             </a:r>
-            <a:endParaRPr lang="zh-CN" altLang="en-US"/>
           </a:p>
         </p:txBody>
       </p:sp>
@@ -2064,7 +2052,6 @@
               <a:rPr lang="zh-CN" altLang="en-US"/>
               <a:t>编辑母版文本样式</a:t>
             </a:r>
-            <a:endParaRPr lang="zh-CN" altLang="en-US"/>
           </a:p>
           <a:p>
             <a:pPr lvl="1"/>
@@ -2072,7 +2059,6 @@
               <a:rPr lang="zh-CN" altLang="en-US"/>
               <a:t>第二级</a:t>
             </a:r>
-            <a:endParaRPr lang="zh-CN" altLang="en-US"/>
           </a:p>
           <a:p>
             <a:pPr lvl="2"/>
@@ -2080,7 +2066,6 @@
               <a:rPr lang="zh-CN" altLang="en-US"/>
               <a:t>第三级</a:t>
             </a:r>
-            <a:endParaRPr lang="zh-CN" altLang="en-US"/>
           </a:p>
           <a:p>
             <a:pPr lvl="3"/>
@@ -2088,7 +2073,6 @@
               <a:rPr lang="zh-CN" altLang="en-US"/>
               <a:t>第四级</a:t>
             </a:r>
-            <a:endParaRPr lang="zh-CN" altLang="en-US"/>
           </a:p>
           <a:p>
             <a:pPr lvl="4"/>
@@ -2096,7 +2080,6 @@
               <a:rPr lang="zh-CN" altLang="en-US"/>
               <a:t>第五级</a:t>
             </a:r>
-            <a:endParaRPr lang="zh-CN" altLang="en-US"/>
           </a:p>
         </p:txBody>
       </p:sp>
@@ -2162,7 +2145,6 @@
               <a:rPr lang="zh-CN" altLang="en-US"/>
               <a:t>编辑母版文本样式</a:t>
             </a:r>
-            <a:endParaRPr lang="zh-CN" altLang="en-US"/>
           </a:p>
         </p:txBody>
       </p:sp>
@@ -2191,7 +2173,6 @@
               <a:rPr lang="zh-CN" altLang="en-US"/>
               <a:t>编辑母版文本样式</a:t>
             </a:r>
-            <a:endParaRPr lang="zh-CN" altLang="en-US"/>
           </a:p>
           <a:p>
             <a:pPr lvl="1"/>
@@ -2199,7 +2180,6 @@
               <a:rPr lang="zh-CN" altLang="en-US"/>
               <a:t>第二级</a:t>
             </a:r>
-            <a:endParaRPr lang="zh-CN" altLang="en-US"/>
           </a:p>
           <a:p>
             <a:pPr lvl="2"/>
@@ -2207,7 +2187,6 @@
               <a:rPr lang="zh-CN" altLang="en-US"/>
               <a:t>第三级</a:t>
             </a:r>
-            <a:endParaRPr lang="zh-CN" altLang="en-US"/>
           </a:p>
           <a:p>
             <a:pPr lvl="3"/>
@@ -2215,7 +2194,6 @@
               <a:rPr lang="zh-CN" altLang="en-US"/>
               <a:t>第四级</a:t>
             </a:r>
-            <a:endParaRPr lang="zh-CN" altLang="en-US"/>
           </a:p>
           <a:p>
             <a:pPr lvl="4"/>
@@ -2223,7 +2201,6 @@
               <a:rPr lang="zh-CN" altLang="en-US"/>
               <a:t>第五级</a:t>
             </a:r>
-            <a:endParaRPr lang="zh-CN" altLang="en-US"/>
           </a:p>
         </p:txBody>
       </p:sp>
@@ -2244,6 +2221,7 @@
           <a:p>
             <a:fld id="{B84EB670-E294-4967-8CDF-2DA207E54C9C}" type="datetimeFigureOut">
               <a:rPr lang="zh-CN" altLang="en-US" smtClean="0"/>
+              <a:t>2025/6/4</a:t>
             </a:fld>
             <a:endParaRPr lang="zh-CN" altLang="en-US"/>
           </a:p>
@@ -2285,6 +2263,7 @@
           <a:p>
             <a:fld id="{1A2E7ABB-B27C-4AF3-86DA-BB311601065E}" type="slidenum">
               <a:rPr lang="zh-CN" altLang="en-US" smtClean="0"/>
+              <a:t>‹#›</a:t>
             </a:fld>
             <a:endParaRPr lang="zh-CN" altLang="en-US"/>
           </a:p>
@@ -2334,7 +2313,6 @@
               <a:rPr lang="zh-CN" altLang="en-US"/>
               <a:t>单击此处编辑母版标题样式</a:t>
             </a:r>
-            <a:endParaRPr lang="zh-CN" altLang="en-US"/>
           </a:p>
         </p:txBody>
       </p:sp>
@@ -2355,6 +2333,7 @@
           <a:p>
             <a:fld id="{B84EB670-E294-4967-8CDF-2DA207E54C9C}" type="datetimeFigureOut">
               <a:rPr lang="zh-CN" altLang="en-US" smtClean="0"/>
+              <a:t>2025/6/4</a:t>
             </a:fld>
             <a:endParaRPr lang="zh-CN" altLang="en-US"/>
           </a:p>
@@ -2396,6 +2375,7 @@
           <a:p>
             <a:fld id="{1A2E7ABB-B27C-4AF3-86DA-BB311601065E}" type="slidenum">
               <a:rPr lang="zh-CN" altLang="en-US" smtClean="0"/>
+              <a:t>‹#›</a:t>
             </a:fld>
             <a:endParaRPr lang="zh-CN" altLang="en-US"/>
           </a:p>
@@ -2443,6 +2423,7 @@
           <a:p>
             <a:fld id="{B84EB670-E294-4967-8CDF-2DA207E54C9C}" type="datetimeFigureOut">
               <a:rPr lang="zh-CN" altLang="en-US" smtClean="0"/>
+              <a:t>2025/6/4</a:t>
             </a:fld>
             <a:endParaRPr lang="zh-CN" altLang="en-US"/>
           </a:p>
@@ -2484,6 +2465,7 @@
           <a:p>
             <a:fld id="{1A2E7ABB-B27C-4AF3-86DA-BB311601065E}" type="slidenum">
               <a:rPr lang="zh-CN" altLang="en-US" smtClean="0"/>
+              <a:t>‹#›</a:t>
             </a:fld>
             <a:endParaRPr lang="zh-CN" altLang="en-US"/>
           </a:p>
@@ -2542,7 +2524,6 @@
               <a:rPr lang="zh-CN" altLang="en-US"/>
               <a:t>单击此处编辑母版标题样式</a:t>
             </a:r>
-            <a:endParaRPr lang="zh-CN" altLang="en-US"/>
           </a:p>
         </p:txBody>
       </p:sp>
@@ -2599,7 +2580,6 @@
               <a:rPr lang="zh-CN" altLang="en-US"/>
               <a:t>编辑母版文本样式</a:t>
             </a:r>
-            <a:endParaRPr lang="zh-CN" altLang="en-US"/>
           </a:p>
           <a:p>
             <a:pPr lvl="1"/>
@@ -2607,7 +2587,6 @@
               <a:rPr lang="zh-CN" altLang="en-US"/>
               <a:t>第二级</a:t>
             </a:r>
-            <a:endParaRPr lang="zh-CN" altLang="en-US"/>
           </a:p>
           <a:p>
             <a:pPr lvl="2"/>
@@ -2615,7 +2594,6 @@
               <a:rPr lang="zh-CN" altLang="en-US"/>
               <a:t>第三级</a:t>
             </a:r>
-            <a:endParaRPr lang="zh-CN" altLang="en-US"/>
           </a:p>
           <a:p>
             <a:pPr lvl="3"/>
@@ -2623,7 +2601,6 @@
               <a:rPr lang="zh-CN" altLang="en-US"/>
               <a:t>第四级</a:t>
             </a:r>
-            <a:endParaRPr lang="zh-CN" altLang="en-US"/>
           </a:p>
           <a:p>
             <a:pPr lvl="4"/>
@@ -2631,7 +2608,6 @@
               <a:rPr lang="zh-CN" altLang="en-US"/>
               <a:t>第五级</a:t>
             </a:r>
-            <a:endParaRPr lang="zh-CN" altLang="en-US"/>
           </a:p>
         </p:txBody>
       </p:sp>
@@ -2697,7 +2673,6 @@
               <a:rPr lang="zh-CN" altLang="en-US"/>
               <a:t>编辑母版文本样式</a:t>
             </a:r>
-            <a:endParaRPr lang="zh-CN" altLang="en-US"/>
           </a:p>
         </p:txBody>
       </p:sp>
@@ -2718,6 +2693,7 @@
           <a:p>
             <a:fld id="{B84EB670-E294-4967-8CDF-2DA207E54C9C}" type="datetimeFigureOut">
               <a:rPr lang="zh-CN" altLang="en-US" smtClean="0"/>
+              <a:t>2025/6/4</a:t>
             </a:fld>
             <a:endParaRPr lang="zh-CN" altLang="en-US"/>
           </a:p>
@@ -2759,6 +2735,7 @@
           <a:p>
             <a:fld id="{1A2E7ABB-B27C-4AF3-86DA-BB311601065E}" type="slidenum">
               <a:rPr lang="zh-CN" altLang="en-US" smtClean="0"/>
+              <a:t>‹#›</a:t>
             </a:fld>
             <a:endParaRPr lang="zh-CN" altLang="en-US"/>
           </a:p>
@@ -2817,7 +2794,6 @@
               <a:rPr lang="zh-CN" altLang="en-US"/>
               <a:t>单击此处编辑母版标题样式</a:t>
             </a:r>
-            <a:endParaRPr lang="zh-CN" altLang="en-US"/>
           </a:p>
         </p:txBody>
       </p:sp>
@@ -2944,7 +2920,6 @@
               <a:rPr lang="zh-CN" altLang="en-US"/>
               <a:t>编辑母版文本样式</a:t>
             </a:r>
-            <a:endParaRPr lang="zh-CN" altLang="en-US"/>
           </a:p>
         </p:txBody>
       </p:sp>
@@ -2965,6 +2940,7 @@
           <a:p>
             <a:fld id="{B84EB670-E294-4967-8CDF-2DA207E54C9C}" type="datetimeFigureOut">
               <a:rPr lang="zh-CN" altLang="en-US" smtClean="0"/>
+              <a:t>2025/6/4</a:t>
             </a:fld>
             <a:endParaRPr lang="zh-CN" altLang="en-US"/>
           </a:p>
@@ -3006,6 +2982,7 @@
           <a:p>
             <a:fld id="{1A2E7ABB-B27C-4AF3-86DA-BB311601065E}" type="slidenum">
               <a:rPr lang="zh-CN" altLang="en-US" smtClean="0"/>
+              <a:t>‹#›</a:t>
             </a:fld>
             <a:endParaRPr lang="zh-CN" altLang="en-US"/>
           </a:p>
@@ -3070,7 +3047,6 @@
               <a:rPr lang="zh-CN" altLang="en-US"/>
               <a:t>单击此处编辑母版标题样式</a:t>
             </a:r>
-            <a:endParaRPr lang="zh-CN" altLang="en-US"/>
           </a:p>
         </p:txBody>
       </p:sp>
@@ -3104,7 +3080,6 @@
               <a:rPr lang="zh-CN" altLang="en-US"/>
               <a:t>编辑母版文本样式</a:t>
             </a:r>
-            <a:endParaRPr lang="zh-CN" altLang="en-US"/>
           </a:p>
           <a:p>
             <a:pPr lvl="1"/>
@@ -3112,7 +3087,6 @@
               <a:rPr lang="zh-CN" altLang="en-US"/>
               <a:t>第二级</a:t>
             </a:r>
-            <a:endParaRPr lang="zh-CN" altLang="en-US"/>
           </a:p>
           <a:p>
             <a:pPr lvl="2"/>
@@ -3120,7 +3094,6 @@
               <a:rPr lang="zh-CN" altLang="en-US"/>
               <a:t>第三级</a:t>
             </a:r>
-            <a:endParaRPr lang="zh-CN" altLang="en-US"/>
           </a:p>
           <a:p>
             <a:pPr lvl="3"/>
@@ -3128,7 +3101,6 @@
               <a:rPr lang="zh-CN" altLang="en-US"/>
               <a:t>第四级</a:t>
             </a:r>
-            <a:endParaRPr lang="zh-CN" altLang="en-US"/>
           </a:p>
           <a:p>
             <a:pPr lvl="4"/>
@@ -3136,7 +3108,6 @@
               <a:rPr lang="zh-CN" altLang="en-US"/>
               <a:t>第五级</a:t>
             </a:r>
-            <a:endParaRPr lang="zh-CN" altLang="en-US"/>
           </a:p>
         </p:txBody>
       </p:sp>
@@ -3175,6 +3146,7 @@
           <a:p>
             <a:fld id="{B84EB670-E294-4967-8CDF-2DA207E54C9C}" type="datetimeFigureOut">
               <a:rPr lang="zh-CN" altLang="en-US" smtClean="0"/>
+              <a:t>2025/6/4</a:t>
             </a:fld>
             <a:endParaRPr lang="zh-CN" altLang="en-US"/>
           </a:p>
@@ -3252,6 +3224,7 @@
           <a:p>
             <a:fld id="{1A2E7ABB-B27C-4AF3-86DA-BB311601065E}" type="slidenum">
               <a:rPr lang="zh-CN" altLang="en-US" smtClean="0"/>
+              <a:t>‹#›</a:t>
             </a:fld>
             <a:endParaRPr lang="zh-CN" altLang="en-US"/>
           </a:p>
@@ -3767,19 +3740,8 @@
                   <a:latin typeface="微软雅黑" panose="020B0503020204020204" charset="-122"/>
                   <a:ea typeface="微软雅黑" panose="020B0503020204020204" charset="-122"/>
                 </a:rPr>
-                <a:t>总</a:t>
+                <a:t>总方案</a:t>
               </a:r>
-              <a:r>
-                <a:rPr lang="zh-CN" altLang="en-US" sz="4800" b="1" spc="600" dirty="0">
-                  <a:latin typeface="微软雅黑" panose="020B0503020204020204" charset="-122"/>
-                  <a:ea typeface="微软雅黑" panose="020B0503020204020204" charset="-122"/>
-                </a:rPr>
-                <a:t>方案</a:t>
-              </a:r>
-              <a:endParaRPr lang="zh-CN" altLang="en-US" sz="4800" b="1" spc="600" dirty="0">
-                <a:latin typeface="微软雅黑" panose="020B0503020204020204" charset="-122"/>
-                <a:ea typeface="微软雅黑" panose="020B0503020204020204" charset="-122"/>
-              </a:endParaRPr>
             </a:p>
             <a:p>
               <a:pPr algn="r">
@@ -4217,7 +4179,6 @@
               <a:rPr lang="en-US" altLang="zh-CN" sz="3600" dirty="0"/>
               <a:t>1</a:t>
             </a:r>
-            <a:endParaRPr lang="en-US" altLang="zh-CN" sz="3600" dirty="0"/>
           </a:p>
         </p:txBody>
       </p:sp>
@@ -4260,22 +4221,14 @@
               </a:defRPr>
             </a:pPr>
             <a:r>
-              <a:rPr lang="zh-CN" sz="2000" b="1">
+              <a:rPr lang="zh-CN" sz="2000" b="1" dirty="0">
                 <a:latin typeface="微软雅黑" panose="020B0503020204020204" charset="-122"/>
                 <a:ea typeface="微软雅黑" panose="020B0503020204020204" charset="-122"/>
                 <a:cs typeface="Times New Roman" panose="02020603050405020304"/>
               </a:rPr>
-              <a:t>低资源开销</a:t>
-            </a:r>
-            <a:r>
-              <a:rPr lang="zh-CN" sz="2000" b="1">
-                <a:latin typeface="微软雅黑" panose="020B0503020204020204" charset="-122"/>
-                <a:ea typeface="微软雅黑" panose="020B0503020204020204" charset="-122"/>
-                <a:cs typeface="Times New Roman" panose="02020603050405020304"/>
-              </a:rPr>
-              <a:t>特点</a:t>
-            </a:r>
-            <a:endParaRPr lang="zh-CN" b="1">
+              <a:t>低资源开销特点</a:t>
+            </a:r>
+            <a:endParaRPr lang="zh-CN" b="1" dirty="0">
               <a:latin typeface="微软雅黑" panose="020B0503020204020204" charset="-122"/>
               <a:ea typeface="微软雅黑" panose="020B0503020204020204" charset="-122"/>
               <a:cs typeface="Times New Roman" panose="02020603050405020304"/>
@@ -4300,7 +4253,7 @@
               </a:defRPr>
             </a:pPr>
             <a:r>
-              <a:rPr lang="en-US" altLang="zh-CN" b="1">
+              <a:rPr lang="en-US" altLang="zh-CN" b="1" dirty="0">
                 <a:latin typeface="微软雅黑" panose="020B0503020204020204" charset="-122"/>
                 <a:ea typeface="微软雅黑" panose="020B0503020204020204" charset="-122"/>
                 <a:cs typeface="Times New Roman" panose="02020603050405020304"/>
@@ -4308,14 +4261,14 @@
               <a:t>Hash</a:t>
             </a:r>
             <a:r>
-              <a:rPr lang="zh-CN" altLang="en-US" b="1">
+              <a:rPr lang="zh-CN" altLang="en-US" b="1" dirty="0">
                 <a:latin typeface="微软雅黑" panose="020B0503020204020204" charset="-122"/>
                 <a:ea typeface="微软雅黑" panose="020B0503020204020204" charset="-122"/>
                 <a:cs typeface="Times New Roman" panose="02020603050405020304"/>
               </a:rPr>
               <a:t>方案：采用折叠哈希的结构，减少哈希运算所需资源</a:t>
             </a:r>
-            <a:endParaRPr lang="zh-CN" b="1">
+            <a:endParaRPr lang="zh-CN" b="1" dirty="0">
               <a:latin typeface="微软雅黑" panose="020B0503020204020204" charset="-122"/>
               <a:ea typeface="微软雅黑" panose="020B0503020204020204" charset="-122"/>
               <a:cs typeface="Times New Roman" panose="02020603050405020304"/>
@@ -4340,18 +4293,13 @@
               </a:defRPr>
             </a:pPr>
             <a:r>
-              <a:rPr lang="zh-CN" b="1">
+              <a:rPr lang="zh-CN" b="1" dirty="0">
                 <a:latin typeface="微软雅黑" panose="020B0503020204020204" charset="-122"/>
                 <a:ea typeface="微软雅黑" panose="020B0503020204020204" charset="-122"/>
                 <a:cs typeface="Times New Roman" panose="02020603050405020304"/>
               </a:rPr>
               <a:t>控制逻辑简化：算法易于拆分为微过程，采用指令控制。</a:t>
             </a:r>
-            <a:endParaRPr lang="zh-CN" b="1">
-              <a:latin typeface="微软雅黑" panose="020B0503020204020204" charset="-122"/>
-              <a:ea typeface="微软雅黑" panose="020B0503020204020204" charset="-122"/>
-              <a:cs typeface="Times New Roman" panose="02020603050405020304"/>
-            </a:endParaRPr>
           </a:p>
         </p:txBody>
       </p:sp>
@@ -4400,18 +4348,7 @@
                 <a:ea typeface="微软雅黑" panose="020B0503020204020204" charset="-122"/>
                 <a:sym typeface="+mn-ea"/>
               </a:rPr>
-              <a:t>Frodo</a:t>
-            </a:r>
-            <a:r>
-              <a:rPr lang="en-US" altLang="zh-CN" sz="2800" b="1" dirty="0">
-                <a:solidFill>
-                  <a:schemeClr val="tx2"/>
-                </a:solidFill>
-                <a:latin typeface="微软雅黑" panose="020B0503020204020204" charset="-122"/>
-                <a:ea typeface="微软雅黑" panose="020B0503020204020204" charset="-122"/>
-                <a:sym typeface="+mn-ea"/>
-              </a:rPr>
-              <a:t>——</a:t>
+              <a:t>Frodo——</a:t>
             </a:r>
             <a:r>
               <a:rPr lang="zh-CN" altLang="en-US" sz="2800" b="1" dirty="0">
@@ -5033,11 +4970,6 @@
                   </a:rPr>
                   <a:t>University of</a:t>
                 </a:r>
-                <a:endParaRPr lang="en-US" altLang="zh-CN" sz="1400" dirty="0">
-                  <a:latin typeface="华文细黑" panose="02010600040101010101" pitchFamily="2" charset="-122"/>
-                  <a:ea typeface="华文细黑" panose="02010600040101010101" pitchFamily="2" charset="-122"/>
-                  <a:cs typeface="Segoe UI Semilight" panose="020B0402040204020203" pitchFamily="34" charset="0"/>
-                </a:endParaRPr>
               </a:p>
               <a:p>
                 <a:pPr algn="r" eaLnBrk="1" hangingPunct="1"/>
@@ -5531,12 +5463,12 @@
           <a:graphicData uri="http://schemas.openxmlformats.org/presentationml/2006/ole">
             <mc:AlternateContent xmlns:mc="http://schemas.openxmlformats.org/markup-compatibility/2006">
               <mc:Choice xmlns:v="urn:schemas-microsoft-com:vml" Requires="v">
-                <p:oleObj spid="_x0000_s21" name="" r:id="rId1" imgW="12088495" imgH="3531870" progId="Visio.Drawing.15">
+                <p:oleObj r:id="rId3" imgW="12088495" imgH="3531870" progId="Visio.Drawing.15">
                   <p:embed/>
                 </p:oleObj>
               </mc:Choice>
               <mc:Fallback>
-                <p:oleObj name="" r:id="rId1" imgW="12088495" imgH="3531870" progId="Visio.Drawing.15">
+                <p:oleObj r:id="rId3" imgW="12088495" imgH="3531870" progId="Visio.Drawing.15">
                   <p:embed/>
                   <p:pic>
                     <p:nvPicPr>
@@ -5545,7 +5477,7 @@
                       <p:nvPr/>
                     </p:nvPicPr>
                     <p:blipFill>
-                      <a:blip r:embed="rId2"/>
+                      <a:blip r:embed="rId4"/>
                       <a:stretch>
                         <a:fillRect/>
                       </a:stretch>
@@ -5654,7 +5586,6 @@
               <a:rPr lang="en-US" altLang="zh-CN" sz="3600" dirty="0"/>
               <a:t>2</a:t>
             </a:r>
-            <a:endParaRPr lang="en-US" altLang="zh-CN" sz="3600" dirty="0"/>
           </a:p>
         </p:txBody>
       </p:sp>
@@ -5738,14 +5669,6 @@
               </a:rPr>
               <a:t>）</a:t>
             </a:r>
-            <a:endParaRPr lang="zh-CN" altLang="en-US" sz="2800" b="1" dirty="0">
-              <a:solidFill>
-                <a:schemeClr val="tx2"/>
-              </a:solidFill>
-              <a:latin typeface="微软雅黑" panose="020B0503020204020204" charset="-122"/>
-              <a:ea typeface="微软雅黑" panose="020B0503020204020204" charset="-122"/>
-              <a:sym typeface="+mn-ea"/>
-            </a:endParaRPr>
           </a:p>
         </p:txBody>
       </p:sp>
@@ -6348,11 +6271,6 @@
                   </a:rPr>
                   <a:t>University of</a:t>
                 </a:r>
-                <a:endParaRPr lang="en-US" altLang="zh-CN" sz="1400" dirty="0">
-                  <a:latin typeface="华文细黑" panose="02010600040101010101" pitchFamily="2" charset="-122"/>
-                  <a:ea typeface="华文细黑" panose="02010600040101010101" pitchFamily="2" charset="-122"/>
-                  <a:cs typeface="Segoe UI Semilight" panose="020B0402040204020203" pitchFamily="34" charset="0"/>
-                </a:endParaRPr>
               </a:p>
               <a:p>
                 <a:pPr algn="r" eaLnBrk="1" hangingPunct="1"/>
@@ -6846,12 +6764,12 @@
           <a:graphicData uri="http://schemas.openxmlformats.org/presentationml/2006/ole">
             <mc:AlternateContent xmlns:mc="http://schemas.openxmlformats.org/markup-compatibility/2006">
               <mc:Choice xmlns:v="urn:schemas-microsoft-com:vml" Requires="v">
-                <p:oleObj spid="_x0000_s22" name="" r:id="rId1" imgW="4340225" imgH="4391660" progId="Visio.Drawing.15">
+                <p:oleObj r:id="rId3" imgW="4340225" imgH="4391660" progId="Visio.Drawing.15">
                   <p:embed/>
                 </p:oleObj>
               </mc:Choice>
               <mc:Fallback>
-                <p:oleObj name="" r:id="rId1" imgW="4340225" imgH="4391660" progId="Visio.Drawing.15">
+                <p:oleObj r:id="rId3" imgW="4340225" imgH="4391660" progId="Visio.Drawing.15">
                   <p:embed/>
                   <p:pic>
                     <p:nvPicPr>
@@ -6860,7 +6778,7 @@
                       <p:nvPr/>
                     </p:nvPicPr>
                     <p:blipFill>
-                      <a:blip r:embed="rId2"/>
+                      <a:blip r:embed="rId4"/>
                       <a:stretch>
                         <a:fillRect/>
                       </a:stretch>
@@ -6900,6 +6818,7 @@
           <a:bodyPr wrap="square">
             <a:noAutofit/>
           </a:bodyPr>
+          <a:lstStyle/>
           <a:p>
             <a:pPr marL="342900" indent="-342900" algn="just">
               <a:lnSpc>
@@ -6952,41 +6871,26 @@
                 <a:cs typeface="Times New Roman" panose="02020603050405020304" pitchFamily="18" charset="0"/>
                 <a:sym typeface="+mn-ea"/>
               </a:rPr>
-              <a:t>S</a:t>
-            </a:r>
-            <a:r>
-              <a:rPr lang="en-US" altLang="zh-CN" b="1" dirty="0">
+              <a:t>Slice)</a:t>
+            </a:r>
+            <a:r>
+              <a:rPr lang="zh-CN" altLang="en-US" b="1" dirty="0">
                 <a:latin typeface="微软雅黑" panose="020B0503020204020204" charset="-122"/>
                 <a:ea typeface="微软雅黑" panose="020B0503020204020204" charset="-122"/>
                 <a:cs typeface="Times New Roman" panose="02020603050405020304" pitchFamily="18" charset="0"/>
                 <a:sym typeface="+mn-ea"/>
               </a:rPr>
-              <a:t>lice)</a:t>
-            </a:r>
-            <a:r>
-              <a:rPr lang="zh-CN" altLang="en-US" b="1" dirty="0">
+              <a:t>的方法设计</a:t>
+            </a:r>
+            <a:r>
+              <a:rPr lang="en-US" altLang="zh-CN" b="1" dirty="0">
                 <a:latin typeface="微软雅黑" panose="020B0503020204020204" charset="-122"/>
                 <a:ea typeface="微软雅黑" panose="020B0503020204020204" charset="-122"/>
                 <a:cs typeface="Times New Roman" panose="02020603050405020304" pitchFamily="18" charset="0"/>
                 <a:sym typeface="+mn-ea"/>
               </a:rPr>
-              <a:t>的方法设计</a:t>
-            </a:r>
-            <a:r>
-              <a:rPr lang="en-US" altLang="zh-CN" b="1" dirty="0">
-                <a:latin typeface="微软雅黑" panose="020B0503020204020204" charset="-122"/>
-                <a:ea typeface="微软雅黑" panose="020B0503020204020204" charset="-122"/>
-                <a:cs typeface="Times New Roman" panose="02020603050405020304" pitchFamily="18" charset="0"/>
-                <a:sym typeface="+mn-ea"/>
-              </a:rPr>
               <a:t>Hash</a:t>
             </a:r>
-            <a:endParaRPr lang="en-US" altLang="zh-CN" b="1" dirty="0">
-              <a:latin typeface="微软雅黑" panose="020B0503020204020204" charset="-122"/>
-              <a:ea typeface="微软雅黑" panose="020B0503020204020204" charset="-122"/>
-              <a:cs typeface="Times New Roman" panose="02020603050405020304" pitchFamily="18" charset="0"/>
-              <a:sym typeface="+mn-ea"/>
-            </a:endParaRPr>
           </a:p>
           <a:p>
             <a:pPr marL="342900" indent="-342900" algn="just">
@@ -7051,12 +6955,6 @@
               </a:rPr>
               <a:t>资源</a:t>
             </a:r>
-            <a:endParaRPr lang="zh-CN" altLang="en-US" b="1" dirty="0">
-              <a:latin typeface="微软雅黑" panose="020B0503020204020204" charset="-122"/>
-              <a:ea typeface="微软雅黑" panose="020B0503020204020204" charset="-122"/>
-              <a:cs typeface="Times New Roman" panose="02020603050405020304" pitchFamily="18" charset="0"/>
-              <a:sym typeface="+mn-ea"/>
-            </a:endParaRPr>
           </a:p>
           <a:p>
             <a:pPr lvl="2" indent="-342900" algn="just">
@@ -7112,12 +7010,6 @@
               </a:rPr>
               <a:t>运算基本单位</a:t>
             </a:r>
-            <a:endParaRPr lang="zh-CN" altLang="en-US" sz="1600" b="1" dirty="0">
-              <a:latin typeface="微软雅黑" panose="020B0503020204020204" charset="-122"/>
-              <a:ea typeface="微软雅黑" panose="020B0503020204020204" charset="-122"/>
-              <a:cs typeface="Times New Roman" panose="02020603050405020304" pitchFamily="18" charset="0"/>
-              <a:sym typeface="+mn-ea"/>
-            </a:endParaRPr>
           </a:p>
           <a:p>
             <a:pPr lvl="2" indent="-342900" algn="just">
@@ -7220,12 +7112,6 @@
               </a:rPr>
               <a:t>轮运算子步骤</a:t>
             </a:r>
-            <a:endParaRPr lang="zh-CN" altLang="en-US" sz="1600" b="1" dirty="0">
-              <a:latin typeface="微软雅黑" panose="020B0503020204020204" charset="-122"/>
-              <a:ea typeface="微软雅黑" panose="020B0503020204020204" charset="-122"/>
-              <a:cs typeface="Times New Roman" panose="02020603050405020304" pitchFamily="18" charset="0"/>
-              <a:sym typeface="+mn-ea"/>
-            </a:endParaRPr>
           </a:p>
           <a:p>
             <a:pPr lvl="2" indent="-342900" algn="just">
@@ -7314,7 +7200,7 @@
           <p:nvPr/>
         </p:nvPicPr>
         <p:blipFill>
-          <a:blip r:embed="rId3"/>
+          <a:blip r:embed="rId5"/>
           <a:stretch>
             <a:fillRect/>
           </a:stretch>
@@ -7343,12 +7229,12 @@
           <a:graphicData uri="http://schemas.openxmlformats.org/presentationml/2006/ole">
             <mc:AlternateContent xmlns:mc="http://schemas.openxmlformats.org/markup-compatibility/2006">
               <mc:Choice xmlns:v="urn:schemas-microsoft-com:vml" Requires="v">
-                <p:oleObj spid="_x0000_s25" name="" r:id="rId4" imgW="2640330" imgH="1480820" progId="Visio.Drawing.15">
+                <p:oleObj r:id="rId6" imgW="2640330" imgH="1480820" progId="Visio.Drawing.15">
                   <p:embed/>
                 </p:oleObj>
               </mc:Choice>
               <mc:Fallback>
-                <p:oleObj name="" r:id="rId4" imgW="2640330" imgH="1480820" progId="Visio.Drawing.15">
+                <p:oleObj r:id="rId6" imgW="2640330" imgH="1480820" progId="Visio.Drawing.15">
                   <p:embed/>
                   <p:pic>
                     <p:nvPicPr>
@@ -7357,7 +7243,7 @@
                       <p:nvPr/>
                     </p:nvPicPr>
                     <p:blipFill>
-                      <a:blip r:embed="rId5"/>
+                      <a:blip r:embed="rId7"/>
                       <a:stretch>
                         <a:fillRect/>
                       </a:stretch>
@@ -7409,6 +7295,7 @@
         </p:style>
         <p:txBody>
           <a:bodyPr rtlCol="0" anchor="ctr"/>
+          <a:lstStyle/>
           <a:p>
             <a:pPr algn="ctr"/>
             <a:endParaRPr lang="zh-CN" altLang="en-US"/>
@@ -7446,6 +7333,7 @@
         </p:style>
         <p:txBody>
           <a:bodyPr rtlCol="0" anchor="ctr"/>
+          <a:lstStyle/>
           <a:p>
             <a:pPr algn="ctr"/>
             <a:endParaRPr lang="zh-CN" altLang="en-US"/>
@@ -7472,6 +7360,7 @@
           <a:bodyPr wrap="square" rtlCol="0" anchor="t">
             <a:spAutoFit/>
           </a:bodyPr>
+          <a:lstStyle/>
           <a:p>
             <a:r>
               <a:rPr lang="zh-CN" altLang="en-US" sz="1600" b="1" dirty="0">
@@ -7485,15 +7374,6 @@
               </a:rPr>
               <a:t>实现循环折叠</a:t>
             </a:r>
-            <a:endParaRPr lang="zh-CN" altLang="en-US" sz="1600" b="1" dirty="0">
-              <a:solidFill>
-                <a:schemeClr val="accent1"/>
-              </a:solidFill>
-              <a:latin typeface="微软雅黑" panose="020B0503020204020204" charset="-122"/>
-              <a:ea typeface="微软雅黑" panose="020B0503020204020204" charset="-122"/>
-              <a:cs typeface="Times New Roman" panose="02020603050405020304" pitchFamily="18" charset="0"/>
-              <a:sym typeface="+mn-ea"/>
-            </a:endParaRPr>
           </a:p>
         </p:txBody>
       </p:sp>
@@ -7517,6 +7397,7 @@
           <a:bodyPr wrap="square" rtlCol="0" anchor="t">
             <a:spAutoFit/>
           </a:bodyPr>
+          <a:lstStyle/>
           <a:p>
             <a:r>
               <a:rPr lang="zh-CN" altLang="en-US" sz="1600" b="1" dirty="0">
@@ -7530,15 +7411,6 @@
               </a:rPr>
               <a:t>解决数据依赖性问题</a:t>
             </a:r>
-            <a:endParaRPr lang="zh-CN" altLang="en-US" sz="1600" b="1" dirty="0">
-              <a:solidFill>
-                <a:schemeClr val="accent1"/>
-              </a:solidFill>
-              <a:latin typeface="微软雅黑" panose="020B0503020204020204" charset="-122"/>
-              <a:ea typeface="微软雅黑" panose="020B0503020204020204" charset="-122"/>
-              <a:cs typeface="Times New Roman" panose="02020603050405020304" pitchFamily="18" charset="0"/>
-              <a:sym typeface="+mn-ea"/>
-            </a:endParaRPr>
           </a:p>
         </p:txBody>
       </p:sp>
@@ -7562,6 +7434,7 @@
           <a:bodyPr wrap="square" rtlCol="0" anchor="t">
             <a:spAutoFit/>
           </a:bodyPr>
+          <a:lstStyle/>
           <a:p>
             <a:pPr marL="342900" indent="-342900" algn="just">
               <a:lnSpc>
@@ -7623,23 +7496,8 @@
                 <a:cs typeface="Times New Roman" panose="02020603050405020304" pitchFamily="18" charset="0"/>
                 <a:sym typeface="+mn-ea"/>
               </a:rPr>
-              <a:t>的控制与</a:t>
-            </a:r>
-            <a:r>
-              <a:rPr lang="zh-CN" altLang="en-US" b="1" dirty="0">
-                <a:latin typeface="微软雅黑" panose="020B0503020204020204" charset="-122"/>
-                <a:ea typeface="微软雅黑" panose="020B0503020204020204" charset="-122"/>
-                <a:cs typeface="Times New Roman" panose="02020603050405020304" pitchFamily="18" charset="0"/>
-                <a:sym typeface="+mn-ea"/>
-              </a:rPr>
-              <a:t>输出</a:t>
-            </a:r>
-            <a:endParaRPr lang="zh-CN" altLang="en-US" b="1" dirty="0">
-              <a:latin typeface="微软雅黑" panose="020B0503020204020204" charset="-122"/>
-              <a:ea typeface="微软雅黑" panose="020B0503020204020204" charset="-122"/>
-              <a:cs typeface="Times New Roman" panose="02020603050405020304" pitchFamily="18" charset="0"/>
-              <a:sym typeface="+mn-ea"/>
-            </a:endParaRPr>
+              <a:t>的控制与输出</a:t>
+            </a:r>
           </a:p>
         </p:txBody>
       </p:sp>
@@ -7677,10 +7535,10 @@
           <p:nvPr/>
         </p:nvPicPr>
         <p:blipFill>
-          <a:blip r:embed="rId1">
+          <a:blip r:embed="rId4">
             <a:extLst>
               <a:ext uri="{96DAC541-7B7A-43D3-8B79-37D633B846F1}">
-                <asvg:svgBlip xmlns:asvg="http://schemas.microsoft.com/office/drawing/2016/SVG/main" r:embed="rId2"/>
+                <asvg:svgBlip xmlns:asvg="http://schemas.microsoft.com/office/drawing/2016/SVG/main" r:embed="rId5"/>
               </a:ext>
             </a:extLst>
           </a:blip>
@@ -7761,7 +7619,6 @@
               <a:rPr lang="en-US" altLang="zh-CN" sz="3600" dirty="0"/>
               <a:t>2</a:t>
             </a:r>
-            <a:endParaRPr lang="en-US" altLang="zh-CN" sz="3600" dirty="0"/>
           </a:p>
         </p:txBody>
       </p:sp>
@@ -7876,27 +7733,8 @@
                 <a:ea typeface="微软雅黑" panose="020B0503020204020204" charset="-122"/>
                 <a:sym typeface="+mn-ea"/>
               </a:rPr>
-              <a:t>一些</a:t>
-            </a:r>
-            <a:r>
-              <a:rPr lang="zh-CN" altLang="en-US" sz="2800" b="1" dirty="0">
-                <a:solidFill>
-                  <a:schemeClr val="tx2"/>
-                </a:solidFill>
-                <a:latin typeface="微软雅黑" panose="020B0503020204020204" charset="-122"/>
-                <a:ea typeface="微软雅黑" panose="020B0503020204020204" charset="-122"/>
-                <a:sym typeface="+mn-ea"/>
-              </a:rPr>
-              <a:t>问题</a:t>
-            </a:r>
-            <a:endParaRPr lang="zh-CN" altLang="en-US" sz="2800" b="1" dirty="0">
-              <a:solidFill>
-                <a:schemeClr val="tx2"/>
-              </a:solidFill>
-              <a:latin typeface="微软雅黑" panose="020B0503020204020204" charset="-122"/>
-              <a:ea typeface="微软雅黑" panose="020B0503020204020204" charset="-122"/>
-              <a:sym typeface="+mn-ea"/>
-            </a:endParaRPr>
+              <a:t>一些问题</a:t>
+            </a:r>
           </a:p>
           <a:p>
             <a:pPr>
@@ -8511,11 +8349,6 @@
                   </a:rPr>
                   <a:t>University of</a:t>
                 </a:r>
-                <a:endParaRPr lang="en-US" altLang="zh-CN" sz="1400" dirty="0">
-                  <a:latin typeface="华文细黑" panose="02010600040101010101" pitchFamily="2" charset="-122"/>
-                  <a:ea typeface="华文细黑" panose="02010600040101010101" pitchFamily="2" charset="-122"/>
-                  <a:cs typeface="Segoe UI Semilight" panose="020B0402040204020203" pitchFamily="34" charset="0"/>
-                </a:endParaRPr>
               </a:p>
               <a:p>
                 <a:pPr algn="r" eaLnBrk="1" hangingPunct="1"/>
@@ -9014,6 +8847,7 @@
           <a:bodyPr wrap="square">
             <a:noAutofit/>
           </a:bodyPr>
+          <a:lstStyle/>
           <a:p>
             <a:pPr marL="342900" indent="-342900" algn="just">
               <a:lnSpc>
@@ -9111,12 +8945,6 @@
               </a:rPr>
               <a:t>倍</a:t>
             </a:r>
-            <a:endParaRPr lang="zh-CN" altLang="en-US" b="1" dirty="0">
-              <a:latin typeface="微软雅黑" panose="020B0503020204020204" charset="-122"/>
-              <a:ea typeface="微软雅黑" panose="020B0503020204020204" charset="-122"/>
-              <a:cs typeface="Times New Roman" panose="02020603050405020304" pitchFamily="18" charset="0"/>
-              <a:sym typeface="+mn-ea"/>
-            </a:endParaRPr>
           </a:p>
           <a:p>
             <a:pPr lvl="2" indent="-342900" algn="just">
@@ -9143,34 +8971,16 @@
                 <a:cs typeface="Times New Roman" panose="02020603050405020304" pitchFamily="18" charset="0"/>
                 <a:sym typeface="+mn-ea"/>
               </a:rPr>
-              <a:t>数据位宽</a:t>
-            </a:r>
-            <a:r>
-              <a:rPr lang="zh-CN" altLang="en-US" sz="1600" dirty="0">
+              <a:t>数据位宽仍为</a:t>
+            </a:r>
+            <a:r>
+              <a:rPr lang="en-US" altLang="zh-CN" sz="1600" dirty="0">
                 <a:latin typeface="微软雅黑" panose="020B0503020204020204" charset="-122"/>
                 <a:ea typeface="微软雅黑" panose="020B0503020204020204" charset="-122"/>
                 <a:cs typeface="Times New Roman" panose="02020603050405020304" pitchFamily="18" charset="0"/>
                 <a:sym typeface="+mn-ea"/>
               </a:rPr>
-              <a:t>仍为</a:t>
-            </a:r>
-            <a:r>
-              <a:rPr lang="en-US" altLang="zh-CN" sz="1600" dirty="0">
-                <a:latin typeface="微软雅黑" panose="020B0503020204020204" charset="-122"/>
-                <a:ea typeface="微软雅黑" panose="020B0503020204020204" charset="-122"/>
-                <a:cs typeface="Times New Roman" panose="02020603050405020304" pitchFamily="18" charset="0"/>
-                <a:sym typeface="+mn-ea"/>
-              </a:rPr>
-              <a:t>64</a:t>
-            </a:r>
-            <a:r>
-              <a:rPr lang="en-US" altLang="zh-CN" sz="1600" dirty="0">
-                <a:latin typeface="微软雅黑" panose="020B0503020204020204" charset="-122"/>
-                <a:ea typeface="微软雅黑" panose="020B0503020204020204" charset="-122"/>
-                <a:cs typeface="Times New Roman" panose="02020603050405020304" pitchFamily="18" charset="0"/>
-                <a:sym typeface="+mn-ea"/>
-              </a:rPr>
-              <a:t>bit	</a:t>
+              <a:t>64bit	</a:t>
             </a:r>
             <a:endParaRPr lang="en-US" sz="1600">
               <a:latin typeface="微软雅黑" panose="020B0503020204020204" charset="-122"/>
@@ -9237,10 +9047,10 @@
           <p:nvPr/>
         </p:nvPicPr>
         <p:blipFill>
-          <a:blip r:embed="rId3">
+          <a:blip r:embed="rId6">
             <a:extLst>
               <a:ext uri="{96DAC541-7B7A-43D3-8B79-37D633B846F1}">
-                <asvg:svgBlip xmlns:asvg="http://schemas.microsoft.com/office/drawing/2016/SVG/main" r:embed="rId4"/>
+                <asvg:svgBlip xmlns:asvg="http://schemas.microsoft.com/office/drawing/2016/SVG/main" r:embed="rId7"/>
               </a:ext>
             </a:extLst>
           </a:blip>
@@ -9297,6 +9107,7 @@
         </p:style>
         <p:txBody>
           <a:bodyPr rtlCol="0" anchor="ctr"/>
+          <a:lstStyle/>
           <a:p>
             <a:pPr algn="ctr"/>
             <a:endParaRPr lang="zh-CN" altLang="en-US"/>
@@ -9323,6 +9134,7 @@
           <a:bodyPr wrap="square">
             <a:spAutoFit/>
           </a:bodyPr>
+          <a:lstStyle/>
           <a:p>
             <a:pPr algn="ctr"/>
             <a:r>
@@ -9334,27 +9146,8 @@
                 <a:ea typeface="微软雅黑" panose="020B0503020204020204" charset="-122"/>
                 <a:cs typeface="Times New Roman" panose="02020603050405020304" pitchFamily="18" charset="0"/>
               </a:rPr>
-              <a:t>使用</a:t>
-            </a:r>
-            <a:r>
-              <a:rPr lang="zh-CN" altLang="en-US" sz="1600" b="1" dirty="0">
-                <a:solidFill>
-                  <a:srgbClr val="4472C4"/>
-                </a:solidFill>
-                <a:latin typeface="微软雅黑" panose="020B0503020204020204" charset="-122"/>
-                <a:ea typeface="微软雅黑" panose="020B0503020204020204" charset="-122"/>
-                <a:cs typeface="Times New Roman" panose="02020603050405020304" pitchFamily="18" charset="0"/>
-              </a:rPr>
-              <a:t>寄存器</a:t>
-            </a:r>
-            <a:endParaRPr lang="zh-CN" altLang="en-US" sz="1600" b="1" dirty="0">
-              <a:solidFill>
-                <a:srgbClr val="4472C4"/>
-              </a:solidFill>
-              <a:latin typeface="微软雅黑" panose="020B0503020204020204" charset="-122"/>
-              <a:ea typeface="微软雅黑" panose="020B0503020204020204" charset="-122"/>
-              <a:cs typeface="Times New Roman" panose="02020603050405020304" pitchFamily="18" charset="0"/>
-            </a:endParaRPr>
+              <a:t>使用寄存器</a:t>
+            </a:r>
           </a:p>
         </p:txBody>
       </p:sp>
@@ -9378,6 +9171,7 @@
           <a:bodyPr wrap="square">
             <a:spAutoFit/>
           </a:bodyPr>
+          <a:lstStyle/>
           <a:p>
             <a:pPr algn="ctr"/>
             <a:r>
@@ -9400,27 +9194,8 @@
                 <a:ea typeface="微软雅黑" panose="020B0503020204020204" charset="-122"/>
                 <a:cs typeface="Times New Roman" panose="02020603050405020304" pitchFamily="18" charset="0"/>
               </a:rPr>
-              <a:t>D</a:t>
-            </a:r>
-            <a:r>
-              <a:rPr lang="en-US" altLang="zh-CN" sz="1600" b="1" dirty="0">
-                <a:solidFill>
-                  <a:srgbClr val="4472C4"/>
-                </a:solidFill>
-                <a:latin typeface="微软雅黑" panose="020B0503020204020204" charset="-122"/>
-                <a:ea typeface="微软雅黑" panose="020B0503020204020204" charset="-122"/>
-                <a:cs typeface="Times New Roman" panose="02020603050405020304" pitchFamily="18" charset="0"/>
-              </a:rPr>
-              <a:t>ram</a:t>
-            </a:r>
-            <a:endParaRPr lang="en-US" altLang="zh-CN" sz="1600" b="1" dirty="0">
-              <a:solidFill>
-                <a:srgbClr val="4472C4"/>
-              </a:solidFill>
-              <a:latin typeface="微软雅黑" panose="020B0503020204020204" charset="-122"/>
-              <a:ea typeface="微软雅黑" panose="020B0503020204020204" charset="-122"/>
-              <a:cs typeface="Times New Roman" panose="02020603050405020304" pitchFamily="18" charset="0"/>
-            </a:endParaRPr>
+              <a:t>Dram</a:t>
+            </a:r>
           </a:p>
         </p:txBody>
       </p:sp>
@@ -9444,6 +9219,7 @@
           <a:bodyPr wrap="square" rtlCol="0" anchor="t">
             <a:spAutoFit/>
           </a:bodyPr>
+          <a:lstStyle/>
           <a:p>
             <a:r>
               <a:rPr lang="en-US" altLang="zh-CN" sz="1600" b="1">
@@ -9568,23 +9344,8 @@
                 <a:cs typeface="Times New Roman" panose="02020603050405020304"/>
                 <a:sym typeface="+mn-ea"/>
               </a:rPr>
-              <a:t>运算可</a:t>
-            </a:r>
-            <a:r>
-              <a:rPr lang="zh-CN" altLang="en-US" sz="1600">
-                <a:latin typeface="微软雅黑" panose="020B0503020204020204" charset="-122"/>
-                <a:ea typeface="微软雅黑" panose="020B0503020204020204" charset="-122"/>
-                <a:cs typeface="Times New Roman" panose="02020603050405020304"/>
-                <a:sym typeface="+mn-ea"/>
-              </a:rPr>
-              <a:t>并行。</a:t>
-            </a:r>
-            <a:endParaRPr lang="zh-CN" altLang="en-US" sz="1600">
-              <a:latin typeface="微软雅黑" panose="020B0503020204020204" charset="-122"/>
-              <a:ea typeface="微软雅黑" panose="020B0503020204020204" charset="-122"/>
-              <a:cs typeface="Times New Roman" panose="02020603050405020304"/>
-              <a:sym typeface="+mn-ea"/>
-            </a:endParaRPr>
+              <a:t>运算可并行。</a:t>
+            </a:r>
           </a:p>
         </p:txBody>
       </p:sp>
@@ -9608,6 +9369,7 @@
           <a:bodyPr wrap="square" rtlCol="0" anchor="t">
             <a:spAutoFit/>
           </a:bodyPr>
+          <a:lstStyle/>
           <a:p>
             <a:r>
               <a:rPr lang="en-US" sz="1600" b="1">
@@ -9749,23 +9511,8 @@
                 <a:cs typeface="Times New Roman" panose="02020603050405020304"/>
                 <a:sym typeface="+mn-ea"/>
               </a:rPr>
-              <a:t>出不支持同时</a:t>
-            </a:r>
-            <a:r>
-              <a:rPr lang="zh-CN" altLang="en-US" sz="1600">
-                <a:latin typeface="微软雅黑" panose="020B0503020204020204" charset="-122"/>
-                <a:ea typeface="微软雅黑" panose="020B0503020204020204" charset="-122"/>
-                <a:cs typeface="Times New Roman" panose="02020603050405020304"/>
-                <a:sym typeface="+mn-ea"/>
-              </a:rPr>
-              <a:t>运行。</a:t>
-            </a:r>
-            <a:endParaRPr lang="zh-CN" altLang="en-US" sz="1600">
-              <a:latin typeface="微软雅黑" panose="020B0503020204020204" charset="-122"/>
-              <a:ea typeface="微软雅黑" panose="020B0503020204020204" charset="-122"/>
-              <a:cs typeface="Times New Roman" panose="02020603050405020304"/>
-              <a:sym typeface="+mn-ea"/>
-            </a:endParaRPr>
+              <a:t>出不支持同时运行。</a:t>
+            </a:r>
           </a:p>
           <a:p>
             <a:pPr marL="1371600" lvl="3" indent="457200"/>
@@ -9834,6 +9581,7 @@
           <a:bodyPr wrap="square" rtlCol="0">
             <a:spAutoFit/>
           </a:bodyPr>
+          <a:lstStyle/>
           <a:p>
             <a:pPr algn="ctr"/>
             <a:r>
@@ -9880,14 +9628,6 @@
               </a:rPr>
               <a:t>出完毕后</a:t>
             </a:r>
-            <a:endParaRPr lang="zh-CN" altLang="en-US" sz="1600">
-              <a:solidFill>
-                <a:schemeClr val="accent1"/>
-              </a:solidFill>
-              <a:latin typeface="微软雅黑" panose="020B0503020204020204" charset="-122"/>
-              <a:ea typeface="微软雅黑" panose="020B0503020204020204" charset="-122"/>
-              <a:cs typeface="微软雅黑" panose="020B0503020204020204" charset="-122"/>
-            </a:endParaRPr>
           </a:p>
           <a:p>
             <a:pPr algn="ctr"/>
@@ -9924,14 +9664,6 @@
               </a:rPr>
               <a:t>运算</a:t>
             </a:r>
-            <a:endParaRPr lang="zh-CN" altLang="en-US" sz="1600">
-              <a:solidFill>
-                <a:schemeClr val="accent1"/>
-              </a:solidFill>
-              <a:latin typeface="微软雅黑" panose="020B0503020204020204" charset="-122"/>
-              <a:ea typeface="微软雅黑" panose="020B0503020204020204" charset="-122"/>
-              <a:cs typeface="微软雅黑" panose="020B0503020204020204" charset="-122"/>
-            </a:endParaRPr>
           </a:p>
         </p:txBody>
       </p:sp>
@@ -9955,6 +9687,7 @@
           <a:bodyPr wrap="square">
             <a:spAutoFit/>
           </a:bodyPr>
+          <a:lstStyle/>
           <a:p>
             <a:pPr algn="ctr"/>
             <a:r>
@@ -9966,27 +9699,8 @@
                 <a:ea typeface="微软雅黑" panose="020B0503020204020204" charset="-122"/>
                 <a:cs typeface="Times New Roman" panose="02020603050405020304" pitchFamily="18" charset="0"/>
               </a:rPr>
-              <a:t>数据载入示意（输出</a:t>
-            </a:r>
-            <a:r>
-              <a:rPr lang="zh-CN" altLang="en-US" sz="1600" b="1" dirty="0">
-                <a:solidFill>
-                  <a:srgbClr val="4472C4"/>
-                </a:solidFill>
-                <a:latin typeface="微软雅黑" panose="020B0503020204020204" charset="-122"/>
-                <a:ea typeface="微软雅黑" panose="020B0503020204020204" charset="-122"/>
-                <a:cs typeface="Times New Roman" panose="02020603050405020304" pitchFamily="18" charset="0"/>
-              </a:rPr>
-              <a:t>同理）</a:t>
-            </a:r>
-            <a:endParaRPr lang="zh-CN" altLang="en-US" sz="1600" b="1" dirty="0">
-              <a:solidFill>
-                <a:srgbClr val="4472C4"/>
-              </a:solidFill>
-              <a:latin typeface="微软雅黑" panose="020B0503020204020204" charset="-122"/>
-              <a:ea typeface="微软雅黑" panose="020B0503020204020204" charset="-122"/>
-              <a:cs typeface="Times New Roman" panose="02020603050405020304" pitchFamily="18" charset="0"/>
-            </a:endParaRPr>
+              <a:t>数据载入示意（输出同理）</a:t>
+            </a:r>
           </a:p>
         </p:txBody>
       </p:sp>
@@ -9996,7 +9710,7 @@
           <p:cNvGraphicFramePr/>
           <p:nvPr>
             <p:custDataLst>
-              <p:tags r:id="rId5"/>
+              <p:tags r:id="rId1"/>
             </p:custDataLst>
           </p:nvPr>
         </p:nvGraphicFramePr>
@@ -10011,15 +9725,40 @@
                 <a:tableStyleId>{5C22544A-7EE6-4342-B048-85BDC9FD1C3A}</a:tableStyleId>
               </a:tblPr>
               <a:tblGrid>
-                <a:gridCol w="784225"/>
-                <a:gridCol w="648335"/>
-                <a:gridCol w="767715"/>
-                <a:gridCol w="687070"/>
+                <a:gridCol w="784225">
+                  <a:extLst>
+                    <a:ext uri="{9D8B030D-6E8A-4147-A177-3AD203B41FA5}">
+                      <a16:colId xmlns:a16="http://schemas.microsoft.com/office/drawing/2014/main" val="20000"/>
+                    </a:ext>
+                  </a:extLst>
+                </a:gridCol>
+                <a:gridCol w="648335">
+                  <a:extLst>
+                    <a:ext uri="{9D8B030D-6E8A-4147-A177-3AD203B41FA5}">
+                      <a16:colId xmlns:a16="http://schemas.microsoft.com/office/drawing/2014/main" val="20001"/>
+                    </a:ext>
+                  </a:extLst>
+                </a:gridCol>
+                <a:gridCol w="767715">
+                  <a:extLst>
+                    <a:ext uri="{9D8B030D-6E8A-4147-A177-3AD203B41FA5}">
+                      <a16:colId xmlns:a16="http://schemas.microsoft.com/office/drawing/2014/main" val="20002"/>
+                    </a:ext>
+                  </a:extLst>
+                </a:gridCol>
+                <a:gridCol w="687070">
+                  <a:extLst>
+                    <a:ext uri="{9D8B030D-6E8A-4147-A177-3AD203B41FA5}">
+                      <a16:colId xmlns:a16="http://schemas.microsoft.com/office/drawing/2014/main" val="20003"/>
+                    </a:ext>
+                  </a:extLst>
+                </a:gridCol>
               </a:tblGrid>
               <a:tr h="528955">
                 <a:tc>
                   <a:txBody>
                     <a:bodyPr/>
+                    <a:lstStyle/>
                     <a:p>
                       <a:pPr algn="ctr">
                         <a:buNone/>
@@ -10028,7 +9767,6 @@
                         <a:rPr lang="zh-CN" altLang="en-US" sz="1600"/>
                         <a:t>时钟</a:t>
                       </a:r>
-                      <a:endParaRPr lang="zh-CN" altLang="en-US" sz="1600"/>
                     </a:p>
                     <a:p>
                       <a:pPr algn="ctr">
@@ -10038,7 +9776,6 @@
                         <a:rPr lang="zh-CN" altLang="en-US" sz="1600"/>
                         <a:t>周期</a:t>
                       </a:r>
-                      <a:endParaRPr lang="zh-CN" altLang="en-US" sz="1600"/>
                     </a:p>
                   </a:txBody>
                   <a:tcPr/>
@@ -10046,6 +9783,7 @@
                 <a:tc>
                   <a:txBody>
                     <a:bodyPr/>
+                    <a:lstStyle/>
                     <a:p>
                       <a:pPr algn="ctr">
                         <a:buNone/>
@@ -10054,7 +9792,6 @@
                         <a:rPr lang="zh-CN" altLang="en-US"/>
                         <a:t>输入</a:t>
                       </a:r>
-                      <a:endParaRPr lang="zh-CN" altLang="en-US"/>
                     </a:p>
                   </a:txBody>
                   <a:tcPr/>
@@ -10062,6 +9799,7 @@
                 <a:tc>
                   <a:txBody>
                     <a:bodyPr/>
+                    <a:lstStyle/>
                     <a:p>
                       <a:pPr algn="ctr">
                         <a:buNone/>
@@ -10070,7 +9808,6 @@
                         <a:rPr lang="zh-CN" altLang="en-US"/>
                         <a:t>输出</a:t>
                       </a:r>
-                      <a:endParaRPr lang="zh-CN" altLang="en-US"/>
                     </a:p>
                   </a:txBody>
                   <a:tcPr/>
@@ -10078,6 +9815,7 @@
                 <a:tc>
                   <a:txBody>
                     <a:bodyPr/>
+                    <a:lstStyle/>
                     <a:p>
                       <a:pPr algn="ctr">
                         <a:buNone/>
@@ -10086,16 +9824,21 @@
                         <a:rPr lang="zh-CN" altLang="en-US"/>
                         <a:t>运算</a:t>
                       </a:r>
-                      <a:endParaRPr lang="zh-CN" altLang="en-US"/>
                     </a:p>
                   </a:txBody>
                   <a:tcPr/>
                 </a:tc>
+                <a:extLst>
+                  <a:ext uri="{0D108BD9-81ED-4DB2-BD59-A6C34878D82A}">
+                    <a16:rowId xmlns:a16="http://schemas.microsoft.com/office/drawing/2014/main" val="10000"/>
+                  </a:ext>
+                </a:extLst>
               </a:tr>
               <a:tr h="388620">
                 <a:tc>
                   <a:txBody>
                     <a:bodyPr/>
+                    <a:lstStyle/>
                     <a:p>
                       <a:pPr algn="ctr">
                         <a:buNone/>
@@ -10104,7 +9847,6 @@
                         <a:rPr lang="zh-CN" altLang="en-US" sz="1600" b="1"/>
                         <a:t>数量</a:t>
                       </a:r>
-                      <a:endParaRPr lang="zh-CN" altLang="en-US" sz="1600" b="1"/>
                     </a:p>
                   </a:txBody>
                   <a:tcPr/>
@@ -10112,6 +9854,7 @@
                 <a:tc>
                   <a:txBody>
                     <a:bodyPr/>
+                    <a:lstStyle/>
                     <a:p>
                       <a:pPr algn="ctr">
                         <a:buNone/>
@@ -10124,7 +9867,6 @@
                         <a:rPr lang="zh-CN" altLang="en-US" sz="1800"/>
                         <a:t>倍</a:t>
                       </a:r>
-                      <a:endParaRPr lang="zh-CN" altLang="en-US" sz="1800"/>
                     </a:p>
                   </a:txBody>
                   <a:tcPr/>
@@ -10132,6 +9874,7 @@
                 <a:tc>
                   <a:txBody>
                     <a:bodyPr/>
+                    <a:lstStyle/>
                     <a:p>
                       <a:pPr algn="ctr">
                         <a:buNone/>
@@ -10140,7 +9883,6 @@
                         <a:rPr lang="zh-CN" altLang="en-US"/>
                         <a:t>一致</a:t>
                       </a:r>
-                      <a:endParaRPr lang="zh-CN" altLang="en-US"/>
                     </a:p>
                   </a:txBody>
                   <a:tcPr/>
@@ -10148,6 +9890,7 @@
                 <a:tc>
                   <a:txBody>
                     <a:bodyPr/>
+                    <a:lstStyle/>
                     <a:p>
                       <a:pPr algn="ctr">
                         <a:buNone/>
@@ -10160,11 +9903,15 @@
                         <a:rPr lang="zh-CN" altLang="en-US"/>
                         <a:t>倍</a:t>
                       </a:r>
-                      <a:endParaRPr lang="zh-CN" altLang="en-US"/>
                     </a:p>
                   </a:txBody>
                   <a:tcPr/>
                 </a:tc>
+                <a:extLst>
+                  <a:ext uri="{0D108BD9-81ED-4DB2-BD59-A6C34878D82A}">
+                    <a16:rowId xmlns:a16="http://schemas.microsoft.com/office/drawing/2014/main" val="10001"/>
+                  </a:ext>
+                </a:extLst>
               </a:tr>
             </a:tbl>
           </a:graphicData>
@@ -10190,6 +9937,7 @@
           <a:bodyPr wrap="square" rtlCol="0">
             <a:spAutoFit/>
           </a:bodyPr>
+          <a:lstStyle/>
           <a:p>
             <a:r>
               <a:rPr lang="zh-CN" altLang="en-US">
@@ -10245,21 +9993,8 @@
                   <a:srgbClr val="FF0000"/>
                 </a:solidFill>
               </a:rPr>
-              <a:t>的周期</a:t>
-            </a:r>
-            <a:r>
-              <a:rPr lang="zh-CN" altLang="en-US">
-                <a:solidFill>
-                  <a:srgbClr val="FF0000"/>
-                </a:solidFill>
-              </a:rPr>
-              <a:t>示意</a:t>
-            </a:r>
-            <a:endParaRPr lang="zh-CN" altLang="en-US">
-              <a:solidFill>
-                <a:srgbClr val="FF0000"/>
-              </a:solidFill>
-            </a:endParaRPr>
+              <a:t>的周期示意</a:t>
+            </a:r>
           </a:p>
         </p:txBody>
       </p:sp>
@@ -10351,7 +10086,6 @@
               <a:rPr lang="en-US" altLang="zh-CN" sz="3600" dirty="0"/>
               <a:t>3</a:t>
             </a:r>
-            <a:endParaRPr lang="en-US" altLang="zh-CN" sz="3600" dirty="0"/>
           </a:p>
         </p:txBody>
       </p:sp>
@@ -10388,25 +10122,8 @@
                 <a:latin typeface="微软雅黑" panose="020B0503020204020204" charset="-122"/>
                 <a:ea typeface="微软雅黑" panose="020B0503020204020204" charset="-122"/>
               </a:rPr>
-              <a:t>矩阵</a:t>
-            </a:r>
-            <a:r>
-              <a:rPr lang="zh-CN" altLang="en-US" sz="2800" b="1" dirty="0">
-                <a:solidFill>
-                  <a:schemeClr val="tx2"/>
-                </a:solidFill>
-                <a:latin typeface="微软雅黑" panose="020B0503020204020204" charset="-122"/>
-                <a:ea typeface="微软雅黑" panose="020B0503020204020204" charset="-122"/>
-              </a:rPr>
-              <a:t>乘方案</a:t>
-            </a:r>
-            <a:endParaRPr lang="zh-CN" altLang="en-US" sz="2800" b="1" dirty="0">
-              <a:solidFill>
-                <a:schemeClr val="tx2"/>
-              </a:solidFill>
-              <a:latin typeface="微软雅黑" panose="020B0503020204020204" charset="-122"/>
-              <a:ea typeface="微软雅黑" panose="020B0503020204020204" charset="-122"/>
-            </a:endParaRPr>
+              <a:t>矩阵乘方案</a:t>
+            </a:r>
           </a:p>
         </p:txBody>
       </p:sp>
@@ -11028,11 +10745,6 @@
                   </a:rPr>
                   <a:t>University of</a:t>
                 </a:r>
-                <a:endParaRPr lang="en-US" altLang="zh-CN" sz="1400" dirty="0">
-                  <a:latin typeface="华文细黑" panose="02010600040101010101" pitchFamily="2" charset="-122"/>
-                  <a:ea typeface="华文细黑" panose="02010600040101010101" pitchFamily="2" charset="-122"/>
-                  <a:cs typeface="Segoe UI Semilight" panose="020B0402040204020203" pitchFamily="34" charset="0"/>
-                </a:endParaRPr>
               </a:p>
               <a:p>
                 <a:pPr algn="r" eaLnBrk="1" hangingPunct="1"/>
@@ -11565,11 +11277,6 @@
               </a:rPr>
               <a:t>个</a:t>
             </a:r>
-            <a:endParaRPr lang="zh-CN" altLang="en-US" sz="2000" b="1" dirty="0">
-              <a:latin typeface="微软雅黑" panose="020B0503020204020204" charset="-122"/>
-              <a:ea typeface="微软雅黑" panose="020B0503020204020204" charset="-122"/>
-              <a:cs typeface="Times New Roman" panose="02020603050405020304" pitchFamily="18" charset="0"/>
-            </a:endParaRPr>
           </a:p>
           <a:p>
             <a:pPr marL="342900" lvl="0" indent="-342900" algn="just">
@@ -11588,11 +11295,6 @@
               </a:rPr>
               <a:t>通用矩阵乘法运算方案</a:t>
             </a:r>
-            <a:endParaRPr lang="zh-CN" altLang="en-US" sz="2000" b="1" dirty="0">
-              <a:latin typeface="微软雅黑" panose="020B0503020204020204" charset="-122"/>
-              <a:ea typeface="微软雅黑" panose="020B0503020204020204" charset="-122"/>
-              <a:cs typeface="Times New Roman" panose="02020603050405020304" pitchFamily="18" charset="0"/>
-            </a:endParaRPr>
           </a:p>
         </p:txBody>
       </p:sp>
@@ -11620,6 +11322,7 @@
           <a:bodyPr wrap="square" rtlCol="0">
             <a:noAutofit/>
           </a:bodyPr>
+          <a:lstStyle/>
           <a:p>
             <a:pPr>
               <a:lnSpc>
@@ -11666,11 +11369,6 @@
               </a:rPr>
               <a:t>RAM</a:t>
             </a:r>
-            <a:endParaRPr lang="en-US" altLang="zh-CN" sz="1400" dirty="0">
-              <a:latin typeface="微软雅黑" panose="020B0503020204020204" charset="-122"/>
-              <a:ea typeface="微软雅黑" panose="020B0503020204020204" charset="-122"/>
-              <a:sym typeface="+mn-ea"/>
-            </a:endParaRPr>
           </a:p>
         </p:txBody>
       </p:sp>
@@ -11693,6 +11391,7 @@
           <a:bodyPr wrap="square">
             <a:spAutoFit/>
           </a:bodyPr>
+          <a:lstStyle/>
           <a:p>
             <a:pPr algn="ctr">
               <a:lnSpc>
@@ -11800,6 +11499,7 @@
         </p:style>
         <p:txBody>
           <a:bodyPr rtlCol="0" anchor="ctr"/>
+          <a:lstStyle/>
           <a:p>
             <a:pPr algn="ctr"/>
             <a:endParaRPr lang="zh-CN" altLang="en-US" dirty="0"/>
@@ -11830,6 +11530,7 @@
           <a:bodyPr wrap="square" rtlCol="0">
             <a:noAutofit/>
           </a:bodyPr>
+          <a:lstStyle/>
           <a:p>
             <a:pPr>
               <a:lnSpc>
@@ -11871,10 +11572,6 @@
               </a:rPr>
               <a:t>左乘与右乘需要不同的计算次序和读写策略，难以用简易指令实现</a:t>
             </a:r>
-            <a:endParaRPr lang="zh-CN" altLang="en-US" sz="1500" dirty="0">
-              <a:latin typeface="微软雅黑" panose="020B0503020204020204" charset="-122"/>
-              <a:ea typeface="微软雅黑" panose="020B0503020204020204" charset="-122"/>
-            </a:endParaRPr>
           </a:p>
         </p:txBody>
       </p:sp>
@@ -11892,12 +11589,12 @@
           <a:graphicData uri="http://schemas.openxmlformats.org/presentationml/2006/ole">
             <mc:AlternateContent xmlns:mc="http://schemas.openxmlformats.org/markup-compatibility/2006">
               <mc:Choice xmlns:v="urn:schemas-microsoft-com:vml" Requires="v">
-                <p:oleObj spid="_x0000_s8" name="" r:id="rId4" imgW="6392545" imgH="4161155" progId="Visio.Drawing.15">
+                <p:oleObj r:id="rId6" imgW="6392545" imgH="4161155" progId="Visio.Drawing.15">
                   <p:embed/>
                 </p:oleObj>
               </mc:Choice>
               <mc:Fallback>
-                <p:oleObj name="" r:id="rId4" imgW="6392545" imgH="4161155" progId="Visio.Drawing.15">
+                <p:oleObj r:id="rId6" imgW="6392545" imgH="4161155" progId="Visio.Drawing.15">
                   <p:embed/>
                   <p:pic>
                     <p:nvPicPr>
@@ -11906,7 +11603,7 @@
                       <p:nvPr/>
                     </p:nvPicPr>
                     <p:blipFill>
-                      <a:blip r:embed="rId5"/>
+                      <a:blip r:embed="rId7"/>
                       <a:stretch>
                         <a:fillRect/>
                       </a:stretch>
@@ -11947,6 +11644,7 @@
           <a:bodyPr wrap="square" rtlCol="0" anchor="t">
             <a:spAutoFit/>
           </a:bodyPr>
+          <a:lstStyle/>
           <a:p>
             <a:pPr lvl="0" indent="0" algn="just">
               <a:lnSpc>
@@ -12016,12 +11714,6 @@
               </a:rPr>
               <a:t>的矩阵块</a:t>
             </a:r>
-            <a:endParaRPr lang="zh-CN" altLang="en-US" b="1" dirty="0">
-              <a:latin typeface="微软雅黑" panose="020B0503020204020204" charset="-122"/>
-              <a:ea typeface="微软雅黑" panose="020B0503020204020204" charset="-122"/>
-              <a:cs typeface="Times New Roman" panose="02020603050405020304" pitchFamily="18" charset="0"/>
-              <a:sym typeface="+mn-ea"/>
-            </a:endParaRPr>
           </a:p>
         </p:txBody>
       </p:sp>
@@ -12045,6 +11737,7 @@
           <a:bodyPr wrap="square" rtlCol="0" anchor="t">
             <a:spAutoFit/>
           </a:bodyPr>
+          <a:lstStyle/>
           <a:p>
             <a:pPr marL="342900" indent="-342900">
               <a:lnSpc>
@@ -12062,12 +11755,6 @@
               </a:rPr>
               <a:t>结果矩阵对加矩阵直接进行覆盖，节省存储空间</a:t>
             </a:r>
-            <a:endParaRPr lang="zh-CN" altLang="en-US" sz="2000" b="1" dirty="0">
-              <a:latin typeface="微软雅黑" panose="020B0503020204020204" charset="-122"/>
-              <a:ea typeface="微软雅黑" panose="020B0503020204020204" charset="-122"/>
-              <a:cs typeface="Times New Roman" panose="02020603050405020304" pitchFamily="18" charset="0"/>
-              <a:sym typeface="+mn-ea"/>
-            </a:endParaRPr>
           </a:p>
         </p:txBody>
       </p:sp>
@@ -12087,12 +11774,12 @@
           <a:graphicData uri="http://schemas.openxmlformats.org/presentationml/2006/ole">
             <mc:AlternateContent xmlns:mc="http://schemas.openxmlformats.org/markup-compatibility/2006">
               <mc:Choice xmlns:v="urn:schemas-microsoft-com:vml" Requires="v">
-                <p:oleObj spid="_x0000_s16" name="" r:id="rId6" imgW="4823460" imgH="1635760" progId="Visio.Drawing.15">
+                <p:oleObj r:id="rId8" imgW="4823460" imgH="1635760" progId="Visio.Drawing.15">
                   <p:embed/>
                 </p:oleObj>
               </mc:Choice>
               <mc:Fallback>
-                <p:oleObj name="" r:id="rId6" imgW="4823460" imgH="1635760" progId="Visio.Drawing.15">
+                <p:oleObj r:id="rId8" imgW="4823460" imgH="1635760" progId="Visio.Drawing.15">
                   <p:embed/>
                   <p:pic>
                     <p:nvPicPr>
@@ -12101,7 +11788,7 @@
                       <p:nvPr/>
                     </p:nvPicPr>
                     <p:blipFill>
-                      <a:blip r:embed="rId7"/>
+                      <a:blip r:embed="rId9"/>
                       <a:stretch>
                         <a:fillRect/>
                       </a:stretch>
@@ -12139,7 +11826,14 @@
         <p:cNvGrpSpPr/>
         <p:nvPr/>
       </p:nvGrpSpPr>
-      <p:grpSpPr/>
+      <p:grpSpPr>
+        <a:xfrm>
+          <a:off x="0" y="0"/>
+          <a:ext cx="0" cy="0"/>
+          <a:chOff x="0" y="0"/>
+          <a:chExt cx="0" cy="0"/>
+        </a:xfrm>
+      </p:grpSpPr>
       <p:sp>
         <p:nvSpPr>
           <p:cNvPr id="4" name="圆角矩形 53"/>
@@ -12203,7 +11897,6 @@
               <a:rPr lang="en-US" altLang="zh-CN" sz="3600" dirty="0"/>
               <a:t>4</a:t>
             </a:r>
-            <a:endParaRPr lang="en-US" altLang="zh-CN" sz="3600" dirty="0"/>
           </a:p>
         </p:txBody>
       </p:sp>
@@ -12311,18 +12004,7 @@
                 <a:ea typeface="微软雅黑" panose="020B0503020204020204" charset="-122"/>
                 <a:sym typeface="+mn-ea"/>
               </a:rPr>
-              <a:t>控制模块架构（基于</a:t>
-            </a:r>
-            <a:r>
-              <a:rPr lang="zh-CN" altLang="en-US" sz="2800" b="1" dirty="0">
-                <a:solidFill>
-                  <a:schemeClr val="tx2"/>
-                </a:solidFill>
-                <a:latin typeface="微软雅黑" panose="020B0503020204020204" charset="-122"/>
-                <a:ea typeface="微软雅黑" panose="020B0503020204020204" charset="-122"/>
-                <a:sym typeface="+mn-ea"/>
-              </a:rPr>
-              <a:t>指令）</a:t>
+              <a:t>控制模块架构（基于指令）</a:t>
             </a:r>
             <a:endParaRPr lang="zh-CN" altLang="en-US" sz="2800" b="1" dirty="0">
               <a:solidFill>
@@ -12933,11 +12615,6 @@
                   </a:rPr>
                   <a:t>University of</a:t>
                 </a:r>
-                <a:endParaRPr lang="en-US" altLang="zh-CN" sz="1400" dirty="0">
-                  <a:latin typeface="华文细黑" panose="02010600040101010101" pitchFamily="2" charset="-122"/>
-                  <a:ea typeface="华文细黑" panose="02010600040101010101" pitchFamily="2" charset="-122"/>
-                  <a:cs typeface="Segoe UI Semilight" panose="020B0402040204020203" pitchFamily="34" charset="0"/>
-                </a:endParaRPr>
               </a:p>
               <a:p>
                 <a:pPr algn="r" eaLnBrk="1" hangingPunct="1"/>
@@ -13431,12 +13108,12 @@
           <a:graphicData uri="http://schemas.openxmlformats.org/presentationml/2006/ole">
             <mc:AlternateContent xmlns:mc="http://schemas.openxmlformats.org/markup-compatibility/2006">
               <mc:Choice xmlns:v="urn:schemas-microsoft-com:vml" Requires="v">
-                <p:oleObj spid="_x0000_s20" name="Visio" r:id="rId1" imgW="1685925" imgH="1568450" progId="Visio.Drawing.15">
+                <p:oleObj name="Visio" r:id="rId2" imgW="1685925" imgH="1568450" progId="Visio.Drawing.15">
                   <p:embed/>
                 </p:oleObj>
               </mc:Choice>
               <mc:Fallback>
-                <p:oleObj name="Visio" r:id="rId1" imgW="1685925" imgH="1568450" progId="Visio.Drawing.15">
+                <p:oleObj name="Visio" r:id="rId2" imgW="1685925" imgH="1568450" progId="Visio.Drawing.15">
                   <p:embed/>
                   <p:pic>
                     <p:nvPicPr>
@@ -13445,7 +13122,7 @@
                       <p:nvPr/>
                     </p:nvPicPr>
                     <p:blipFill>
-                      <a:blip r:embed="rId2"/>
+                      <a:blip r:embed="rId3"/>
                       <a:stretch>
                         <a:fillRect/>
                       </a:stretch>
@@ -13561,7 +13238,7 @@
           <p:nvPr/>
         </p:nvPicPr>
         <p:blipFill>
-          <a:blip r:embed="rId3"/>
+          <a:blip r:embed="rId4"/>
           <a:stretch>
             <a:fillRect/>
           </a:stretch>
@@ -14153,7 +13830,14 @@
         <p:cNvGrpSpPr/>
         <p:nvPr/>
       </p:nvGrpSpPr>
-      <p:grpSpPr/>
+      <p:grpSpPr>
+        <a:xfrm>
+          <a:off x="0" y="0"/>
+          <a:ext cx="0" cy="0"/>
+          <a:chOff x="0" y="0"/>
+          <a:chExt cx="0" cy="0"/>
+        </a:xfrm>
+      </p:grpSpPr>
       <p:sp>
         <p:nvSpPr>
           <p:cNvPr id="4" name="矩形 6"/>
@@ -14861,11 +14545,6 @@
                   </a:rPr>
                   <a:t>University of</a:t>
                 </a:r>
-                <a:endParaRPr lang="en-US" altLang="zh-CN" sz="1400" dirty="0">
-                  <a:latin typeface="华文细黑" panose="02010600040101010101" pitchFamily="2" charset="-122"/>
-                  <a:ea typeface="华文细黑" panose="02010600040101010101" pitchFamily="2" charset="-122"/>
-                  <a:cs typeface="Segoe UI Semilight" panose="020B0402040204020203" pitchFamily="34" charset="0"/>
-                </a:endParaRPr>
               </a:p>
               <a:p>
                 <a:pPr algn="r" eaLnBrk="1" hangingPunct="1"/>
@@ -15354,7 +15033,7 @@
           <p:nvPr/>
         </p:nvPicPr>
         <p:blipFill>
-          <a:blip r:embed="rId1"/>
+          <a:blip r:embed="rId2"/>
           <a:stretch>
             <a:fillRect/>
           </a:stretch>
@@ -15708,7 +15387,7 @@
           <p:nvPr/>
         </p:nvPicPr>
         <p:blipFill>
-          <a:blip r:embed="rId2"/>
+          <a:blip r:embed="rId3"/>
           <a:stretch>
             <a:fillRect/>
           </a:stretch>
@@ -15879,6 +15558,7 @@
         </p:style>
         <p:txBody>
           <a:bodyPr lIns="91436" tIns="45718" rIns="91436" bIns="45718" anchor="ctr"/>
+          <a:lstStyle/>
           <a:p>
             <a:pPr algn="ctr" eaLnBrk="1" fontAlgn="auto" hangingPunct="1">
               <a:spcBef>
@@ -15893,7 +15573,6 @@
               <a:rPr lang="en-US" altLang="zh-CN" sz="3600" dirty="0"/>
               <a:t>4</a:t>
             </a:r>
-            <a:endParaRPr lang="en-US" altLang="zh-CN" sz="3600" dirty="0"/>
           </a:p>
         </p:txBody>
       </p:sp>
@@ -15985,7 +15664,6 @@
               <a:rPr lang="en-US" altLang="zh-CN" sz="3600" dirty="0"/>
               <a:t>5</a:t>
             </a:r>
-            <a:endParaRPr lang="en-US" altLang="zh-CN" sz="3600" dirty="0"/>
           </a:p>
         </p:txBody>
       </p:sp>
@@ -16023,27 +15701,8 @@
                 <a:ea typeface="微软雅黑" panose="020B0503020204020204" charset="-122"/>
                 <a:sym typeface="+mn-ea"/>
               </a:rPr>
-              <a:t>存储方案（包含了指令所需</a:t>
-            </a:r>
-            <a:r>
-              <a:rPr lang="zh-CN" altLang="en-US" sz="2800" b="1" dirty="0">
-                <a:solidFill>
-                  <a:schemeClr val="tx2"/>
-                </a:solidFill>
-                <a:latin typeface="微软雅黑" panose="020B0503020204020204" charset="-122"/>
-                <a:ea typeface="微软雅黑" panose="020B0503020204020204" charset="-122"/>
-                <a:sym typeface="+mn-ea"/>
-              </a:rPr>
-              <a:t>存储）</a:t>
-            </a:r>
-            <a:endParaRPr lang="zh-CN" altLang="en-US" sz="2800" b="1" dirty="0">
-              <a:solidFill>
-                <a:schemeClr val="tx2"/>
-              </a:solidFill>
-              <a:latin typeface="微软雅黑" panose="020B0503020204020204" charset="-122"/>
-              <a:ea typeface="微软雅黑" panose="020B0503020204020204" charset="-122"/>
-              <a:sym typeface="+mn-ea"/>
-            </a:endParaRPr>
+              <a:t>存储方案（包含了指令所需存储）</a:t>
+            </a:r>
           </a:p>
         </p:txBody>
       </p:sp>
@@ -16066,6 +15725,7 @@
           <a:bodyPr wrap="square">
             <a:spAutoFit/>
           </a:bodyPr>
+          <a:lstStyle/>
           <a:p>
             <a:pPr marL="342900" indent="-342900" algn="just">
               <a:lnSpc>
@@ -16179,27 +15839,8 @@
                 <a:ea typeface="微软雅黑" panose="020B0503020204020204" charset="-122"/>
                 <a:cs typeface="Times New Roman" panose="02020603050405020304" pitchFamily="18" charset="0"/>
               </a:rPr>
-              <a:t>交叉存储，计算时可同时</a:t>
-            </a:r>
-            <a:r>
-              <a:rPr lang="zh-CN" altLang="en-US" sz="2000" b="1" dirty="0">
-                <a:solidFill>
-                  <a:schemeClr val="tx1"/>
-                </a:solidFill>
-                <a:latin typeface="微软雅黑" panose="020B0503020204020204" charset="-122"/>
-                <a:ea typeface="微软雅黑" panose="020B0503020204020204" charset="-122"/>
-                <a:cs typeface="Times New Roman" panose="02020603050405020304" pitchFamily="18" charset="0"/>
-              </a:rPr>
-              <a:t>读取</a:t>
-            </a:r>
-            <a:endParaRPr lang="zh-CN" altLang="en-US" sz="2000" b="1" dirty="0">
-              <a:solidFill>
-                <a:schemeClr val="tx1"/>
-              </a:solidFill>
-              <a:latin typeface="微软雅黑" panose="020B0503020204020204" charset="-122"/>
-              <a:ea typeface="微软雅黑" panose="020B0503020204020204" charset="-122"/>
-              <a:cs typeface="Times New Roman" panose="02020603050405020304" pitchFamily="18" charset="0"/>
-            </a:endParaRPr>
+              <a:t>交叉存储，计算时可同时读取</a:t>
+            </a:r>
           </a:p>
           <a:p>
             <a:pPr marL="342900" indent="-342900" algn="just">
@@ -16285,14 +15926,6 @@
               </a:rPr>
               <a:t>E)</a:t>
             </a:r>
-            <a:endParaRPr lang="en-US" altLang="zh-CN" sz="2000" b="1" dirty="0">
-              <a:solidFill>
-                <a:schemeClr val="tx1"/>
-              </a:solidFill>
-              <a:latin typeface="微软雅黑" panose="020B0503020204020204" charset="-122"/>
-              <a:ea typeface="微软雅黑" panose="020B0503020204020204" charset="-122"/>
-              <a:cs typeface="Times New Roman" panose="02020603050405020304" pitchFamily="18" charset="0"/>
-            </a:endParaRPr>
           </a:p>
         </p:txBody>
       </p:sp>
@@ -16315,6 +15948,7 @@
           <a:bodyPr wrap="square">
             <a:spAutoFit/>
           </a:bodyPr>
+          <a:lstStyle/>
           <a:p>
             <a:pPr algn="ctr">
               <a:lnSpc>
@@ -16328,10 +15962,6 @@
               </a:rPr>
               <a:t>地址空间规划</a:t>
             </a:r>
-            <a:endParaRPr lang="zh-CN" altLang="en-US" sz="1400" b="1" dirty="0">
-              <a:latin typeface="微软雅黑" panose="020B0503020204020204" charset="-122"/>
-              <a:ea typeface="微软雅黑" panose="020B0503020204020204" charset="-122"/>
-            </a:endParaRPr>
           </a:p>
         </p:txBody>
       </p:sp>
@@ -16389,6 +16019,7 @@
           </p:style>
           <p:txBody>
             <a:bodyPr rtlCol="0" anchor="ctr"/>
+            <a:lstStyle/>
             <a:p>
               <a:pPr algn="ctr"/>
               <a:endParaRPr lang="zh-CN" altLang="en-US"/>
@@ -16409,12 +16040,12 @@
             <a:graphicData uri="http://schemas.openxmlformats.org/presentationml/2006/ole">
               <mc:AlternateContent xmlns:mc="http://schemas.openxmlformats.org/markup-compatibility/2006">
                 <mc:Choice xmlns:v="urn:schemas-microsoft-com:vml" Requires="v">
-                  <p:oleObj spid="_x0000_s40" name="" r:id="rId1" imgW="2124710" imgH="2363470" progId="Visio.Drawing.15">
+                  <p:oleObj r:id="rId3" imgW="2124710" imgH="2363470" progId="Visio.Drawing.15">
                     <p:embed/>
                   </p:oleObj>
                 </mc:Choice>
                 <mc:Fallback>
-                  <p:oleObj name="" r:id="rId1" imgW="2124710" imgH="2363470" progId="Visio.Drawing.15">
+                  <p:oleObj r:id="rId3" imgW="2124710" imgH="2363470" progId="Visio.Drawing.15">
                     <p:embed/>
                     <p:pic>
                       <p:nvPicPr>
@@ -16423,7 +16054,7 @@
                         <p:nvPr/>
                       </p:nvPicPr>
                       <p:blipFill>
-                        <a:blip r:embed="rId2"/>
+                        <a:blip r:embed="rId4"/>
                         <a:stretch>
                           <a:fillRect/>
                         </a:stretch>
@@ -16463,6 +16094,7 @@
             <a:bodyPr wrap="square">
               <a:spAutoFit/>
             </a:bodyPr>
+            <a:lstStyle/>
             <a:p>
               <a:pPr algn="ctr">
                 <a:lnSpc>
@@ -16487,25 +16119,8 @@
                   <a:latin typeface="微软雅黑" panose="020B0503020204020204" charset="-122"/>
                   <a:ea typeface="微软雅黑" panose="020B0503020204020204" charset="-122"/>
                 </a:rPr>
-                <a:t>涉及的矩阵</a:t>
+                <a:t>涉及的矩阵乘法</a:t>
               </a:r>
-              <a:r>
-                <a:rPr lang="zh-CN" altLang="en-US" sz="1400" b="1" dirty="0">
-                  <a:solidFill>
-                    <a:schemeClr val="accent1"/>
-                  </a:solidFill>
-                  <a:latin typeface="微软雅黑" panose="020B0503020204020204" charset="-122"/>
-                  <a:ea typeface="微软雅黑" panose="020B0503020204020204" charset="-122"/>
-                </a:rPr>
-                <a:t>乘法</a:t>
-              </a:r>
-              <a:endParaRPr lang="zh-CN" altLang="en-US" sz="1400" b="1" dirty="0">
-                <a:solidFill>
-                  <a:schemeClr val="accent1"/>
-                </a:solidFill>
-                <a:latin typeface="微软雅黑" panose="020B0503020204020204" charset="-122"/>
-                <a:ea typeface="微软雅黑" panose="020B0503020204020204" charset="-122"/>
-              </a:endParaRPr>
             </a:p>
           </p:txBody>
         </p:sp>
@@ -16528,6 +16143,7 @@
             <a:bodyPr wrap="square">
               <a:noAutofit/>
             </a:bodyPr>
+            <a:lstStyle/>
             <a:p>
               <a:pPr algn="ctr">
                 <a:lnSpc>
@@ -16544,13 +16160,6 @@
                 </a:rPr>
                 <a:t>需要参加运算的矩阵可同时进行读取</a:t>
               </a:r>
-              <a:endParaRPr lang="zh-CN" altLang="en-US" sz="1200" b="1" dirty="0">
-                <a:solidFill>
-                  <a:srgbClr val="FF0000"/>
-                </a:solidFill>
-                <a:latin typeface="微软雅黑" panose="020B0503020204020204" charset="-122"/>
-                <a:ea typeface="微软雅黑" panose="020B0503020204020204" charset="-122"/>
-              </a:endParaRPr>
             </a:p>
           </p:txBody>
         </p:sp>
@@ -16574,6 +16183,7 @@
           <a:bodyPr wrap="square">
             <a:spAutoFit/>
           </a:bodyPr>
+          <a:lstStyle/>
           <a:p>
             <a:pPr algn="ctr">
               <a:lnSpc>
@@ -16585,19 +16195,8 @@
                 <a:latin typeface="微软雅黑" panose="020B0503020204020204" charset="-122"/>
                 <a:ea typeface="微软雅黑" panose="020B0503020204020204" charset="-122"/>
               </a:rPr>
-              <a:t>矩阵乘法</a:t>
-            </a:r>
-            <a:r>
-              <a:rPr lang="zh-CN" altLang="en-US" sz="1400" b="1" dirty="0">
-                <a:latin typeface="微软雅黑" panose="020B0503020204020204" charset="-122"/>
-                <a:ea typeface="微软雅黑" panose="020B0503020204020204" charset="-122"/>
-              </a:rPr>
-              <a:t>访存</a:t>
-            </a:r>
-            <a:endParaRPr lang="zh-CN" altLang="en-US" sz="1400" b="1" dirty="0">
-              <a:latin typeface="微软雅黑" panose="020B0503020204020204" charset="-122"/>
-              <a:ea typeface="微软雅黑" panose="020B0503020204020204" charset="-122"/>
-            </a:endParaRPr>
+              <a:t>矩阵乘法访存</a:t>
+            </a:r>
           </a:p>
         </p:txBody>
       </p:sp>
@@ -16629,12 +16228,12 @@
             <a:graphicData uri="http://schemas.openxmlformats.org/presentationml/2006/ole">
               <mc:AlternateContent xmlns:mc="http://schemas.openxmlformats.org/markup-compatibility/2006">
                 <mc:Choice xmlns:v="urn:schemas-microsoft-com:vml" Requires="v">
-                  <p:oleObj spid="_x0000_s48" name="" r:id="rId3" imgW="4610735" imgH="3091180" progId="Visio.Drawing.15">
+                  <p:oleObj r:id="rId5" imgW="4610735" imgH="3091180" progId="Visio.Drawing.15">
                     <p:embed/>
                   </p:oleObj>
                 </mc:Choice>
                 <mc:Fallback>
-                  <p:oleObj name="" r:id="rId3" imgW="4610735" imgH="3091180" progId="Visio.Drawing.15">
+                  <p:oleObj r:id="rId5" imgW="4610735" imgH="3091180" progId="Visio.Drawing.15">
                     <p:embed/>
                     <p:pic>
                       <p:nvPicPr>
@@ -16643,7 +16242,7 @@
                         <p:nvPr/>
                       </p:nvPicPr>
                       <p:blipFill>
-                        <a:blip r:embed="rId4"/>
+                        <a:blip r:embed="rId6"/>
                         <a:stretch>
                           <a:fillRect/>
                         </a:stretch>
@@ -16704,6 +16303,7 @@
           </p:style>
           <p:txBody>
             <a:bodyPr rtlCol="0" anchor="ctr"/>
+            <a:lstStyle/>
             <a:p>
               <a:pPr algn="ctr"/>
               <a:endParaRPr lang="zh-CN" altLang="en-US"/>
@@ -16758,6 +16358,7 @@
           </p:style>
           <p:txBody>
             <a:bodyPr rtlCol="0" anchor="ctr"/>
+            <a:lstStyle/>
             <a:p>
               <a:pPr algn="ctr"/>
               <a:endParaRPr lang="zh-CN" altLang="en-US"/>
@@ -16790,6 +16391,7 @@
           <a:bodyPr wrap="square" rtlCol="0" anchor="t">
             <a:spAutoFit/>
           </a:bodyPr>
+          <a:lstStyle/>
           <a:p>
             <a:r>
               <a:rPr lang="zh-CN" altLang="en-US" sz="1600" b="1">
@@ -16809,9 +16411,6 @@
               </a:rPr>
               <a:t>矩阵需调整存储顺序以适应矩阵乘法的形式</a:t>
             </a:r>
-            <a:endParaRPr lang="zh-CN" altLang="en-US" sz="1600" b="1">
-              <a:sym typeface="+mn-ea"/>
-            </a:endParaRPr>
           </a:p>
         </p:txBody>
       </p:sp>
@@ -16834,6 +16433,7 @@
           <a:bodyPr wrap="square">
             <a:spAutoFit/>
           </a:bodyPr>
+          <a:lstStyle/>
           <a:p>
             <a:pPr algn="ctr">
               <a:lnSpc>
@@ -16845,19 +16445,8 @@
                 <a:latin typeface="微软雅黑" panose="020B0503020204020204" charset="-122"/>
                 <a:ea typeface="微软雅黑" panose="020B0503020204020204" charset="-122"/>
               </a:rPr>
-              <a:t>矩阵生成</a:t>
-            </a:r>
-            <a:r>
-              <a:rPr lang="zh-CN" altLang="en-US" sz="1400" b="1" dirty="0">
-                <a:latin typeface="微软雅黑" panose="020B0503020204020204" charset="-122"/>
-                <a:ea typeface="微软雅黑" panose="020B0503020204020204" charset="-122"/>
-              </a:rPr>
-              <a:t>顺序</a:t>
-            </a:r>
-            <a:endParaRPr lang="zh-CN" altLang="en-US" sz="1400" b="1" dirty="0">
-              <a:latin typeface="微软雅黑" panose="020B0503020204020204" charset="-122"/>
-              <a:ea typeface="微软雅黑" panose="020B0503020204020204" charset="-122"/>
-            </a:endParaRPr>
+              <a:t>矩阵生成顺序</a:t>
+            </a:r>
           </a:p>
         </p:txBody>
       </p:sp>
@@ -16875,12 +16464,12 @@
           <a:graphicData uri="http://schemas.openxmlformats.org/presentationml/2006/ole">
             <mc:AlternateContent xmlns:mc="http://schemas.openxmlformats.org/markup-compatibility/2006">
               <mc:Choice xmlns:v="urn:schemas-microsoft-com:vml" Requires="v">
-                <p:oleObj spid="_x0000_s7" name="" r:id="rId5" imgW="4494530" imgH="4861560" progId="Visio.Drawing.15">
+                <p:oleObj r:id="rId7" imgW="4494530" imgH="4861560" progId="Visio.Drawing.15">
                   <p:embed/>
                 </p:oleObj>
               </mc:Choice>
               <mc:Fallback>
-                <p:oleObj name="" r:id="rId5" imgW="4494530" imgH="4861560" progId="Visio.Drawing.15">
+                <p:oleObj r:id="rId7" imgW="4494530" imgH="4861560" progId="Visio.Drawing.15">
                   <p:embed/>
                   <p:pic>
                     <p:nvPicPr>
@@ -16889,7 +16478,7 @@
                       <p:nvPr/>
                     </p:nvPicPr>
                     <p:blipFill>
-                      <a:blip r:embed="rId6"/>
+                      <a:blip r:embed="rId8"/>
                       <a:stretch>
                         <a:fillRect/>
                       </a:stretch>
@@ -16919,34 +16508,33 @@
 </file>
 
 <file path=ppt/tags/tag1.xml><?xml version="1.0" encoding="utf-8"?>
-<p:tagLst xmlns:p="http://schemas.openxmlformats.org/presentationml/2006/main">
+<p:tagLst xmlns:a="http://schemas.openxmlformats.org/drawingml/2006/main" xmlns:r="http://schemas.openxmlformats.org/officeDocument/2006/relationships" xmlns:p="http://schemas.openxmlformats.org/presentationml/2006/main">
+  <p:tag name="COMMONDATA" val="eyJoZGlkIjoiMmNiZWEwODdlZDIzYjc5YmFjMDQ0MDFmZmI3ODkyNWYifQ=="/>
+</p:tagLst>
+</file>
+
+<file path=ppt/tags/tag2.xml><?xml version="1.0" encoding="utf-8"?>
+<p:tagLst xmlns:a="http://schemas.openxmlformats.org/drawingml/2006/main" xmlns:r="http://schemas.openxmlformats.org/officeDocument/2006/relationships" xmlns:p="http://schemas.openxmlformats.org/presentationml/2006/main">
   <p:tag name="TABLE_ENDDRAG_ORIGIN_RECT" val="278*77"/>
   <p:tag name="TABLE_ENDDRAG_RECT" val="267*214*278*77"/>
 </p:tagLst>
 </file>
 
-<file path=ppt/tags/tag2.xml><?xml version="1.0" encoding="utf-8"?>
-<p:tagLst xmlns:p="http://schemas.openxmlformats.org/presentationml/2006/main">
-  <p:tag name="KSO_WM_DIAGRAM_VIRTUALLY_FRAME" val="{&quot;height&quot;:383.5,&quot;left&quot;:-46.5,&quot;top&quot;:237.7,&quot;width&quot;:390.95}"/>
-</p:tagLst>
-</file>
-
 <file path=ppt/tags/tag3.xml><?xml version="1.0" encoding="utf-8"?>
-<p:tagLst xmlns:p="http://schemas.openxmlformats.org/presentationml/2006/main">
+<p:tagLst xmlns:a="http://schemas.openxmlformats.org/drawingml/2006/main" xmlns:r="http://schemas.openxmlformats.org/officeDocument/2006/relationships" xmlns:p="http://schemas.openxmlformats.org/presentationml/2006/main">
   <p:tag name="KSO_WM_DIAGRAM_VIRTUALLY_FRAME" val="{&quot;height&quot;:383.5,&quot;left&quot;:-46.5,&quot;top&quot;:237.7,&quot;width&quot;:390.95}"/>
 </p:tagLst>
 </file>
 
 <file path=ppt/tags/tag4.xml><?xml version="1.0" encoding="utf-8"?>
-<p:tagLst xmlns:p="http://schemas.openxmlformats.org/presentationml/2006/main">
+<p:tagLst xmlns:a="http://schemas.openxmlformats.org/drawingml/2006/main" xmlns:r="http://schemas.openxmlformats.org/officeDocument/2006/relationships" xmlns:p="http://schemas.openxmlformats.org/presentationml/2006/main">
   <p:tag name="KSO_WM_DIAGRAM_VIRTUALLY_FRAME" val="{&quot;height&quot;:383.5,&quot;left&quot;:-46.5,&quot;top&quot;:237.7,&quot;width&quot;:390.95}"/>
 </p:tagLst>
 </file>
 
 <file path=ppt/tags/tag5.xml><?xml version="1.0" encoding="utf-8"?>
-<p:tagLst xmlns:p="http://schemas.openxmlformats.org/presentationml/2006/main">
-  <p:tag name="COMMONDATA" val="eyJoZGlkIjoiOGU0OGM4Yzg3ZGY2N2M4MGVhNmYxMzhiMGZjNmE4ZWEifQ=="/>
-  <p:tag name="commondata" val="eyJoZGlkIjoiMmNiZWEwODdlZDIzYjc5YmFjMDQ0MDFmZmI3ODkyNWYifQ=="/>
+<p:tagLst xmlns:a="http://schemas.openxmlformats.org/drawingml/2006/main" xmlns:r="http://schemas.openxmlformats.org/officeDocument/2006/relationships" xmlns:p="http://schemas.openxmlformats.org/presentationml/2006/main">
+  <p:tag name="KSO_WM_DIAGRAM_VIRTUALLY_FRAME" val="{&quot;height&quot;:383.5,&quot;left&quot;:-46.5,&quot;top&quot;:237.7,&quot;width&quot;:390.95}"/>
 </p:tagLst>
 </file>
 
@@ -17201,6 +16789,8 @@
       </a:bgFillStyleLst>
     </a:fmtScheme>
   </a:themeElements>
+  <a:objectDefaults/>
+  <a:extraClrSchemeLst/>
   <a:extLst>
     <a:ext uri="{05A4C25C-085E-4340-85A3-A5531E510DB2}">
       <thm15:themeFamily xmlns:thm15="http://schemas.microsoft.com/office/thememl/2012/main" name="Office Theme" id="{62F939B6-93AF-4DB8-9C6B-D6C7DFDC589F}" vid="{4A3C46E8-61CC-4603-A589-7422A47A8E4A}"/>
@@ -17460,6 +17050,8 @@
       </a:bgFillStyleLst>
     </a:fmtScheme>
   </a:themeElements>
+  <a:objectDefaults/>
+  <a:extraClrSchemeLst/>
   <a:extLst>
     <a:ext uri="{05A4C25C-085E-4340-85A3-A5531E510DB2}">
       <thm15:themeFamily xmlns:thm15="http://schemas.microsoft.com/office/thememl/2012/main" name="Office Theme" id="{62F939B6-93AF-4DB8-9C6B-D6C7DFDC589F}" vid="{4A3C46E8-61CC-4603-A589-7422A47A8E4A}"/>
